--- a/lab/NT2102.CH180/thuyết trình owaps.pptx
+++ b/lab/NT2102.CH180/thuyết trình owaps.pptx
@@ -1,19 +1,19 @@
 
 <file path=ppt/presentation.xml><?xml version="1.0" encoding="utf-8"?>
-<p:presentation xmlns:a="http://schemas.openxmlformats.org/drawingml/2006/main" xmlns:r="http://schemas.openxmlformats.org/officeDocument/2006/relationships" xmlns:p="http://schemas.openxmlformats.org/presentationml/2006/main" saveSubsetFonts="1" autoCompressPictures="0">
+<p:presentation xmlns:a="http://schemas.openxmlformats.org/drawingml/2006/main" xmlns:r="http://schemas.openxmlformats.org/officeDocument/2006/relationships" xmlns:p="http://schemas.openxmlformats.org/presentationml/2006/main" autoCompressPictures="0">
   <p:sldMasterIdLst>
-    <p:sldMasterId id="2147483660" r:id="rId1"/>
+    <p:sldMasterId id="2147483648" r:id="rId1"/>
   </p:sldMasterIdLst>
   <p:sldIdLst>
-    <p:sldId id="256" r:id="rId2"/>
-    <p:sldId id="257" r:id="rId3"/>
-    <p:sldId id="258" r:id="rId4"/>
-    <p:sldId id="259" r:id="rId5"/>
-    <p:sldId id="260" r:id="rId6"/>
-    <p:sldId id="261" r:id="rId7"/>
-    <p:sldId id="262" r:id="rId8"/>
-    <p:sldId id="263" r:id="rId9"/>
-    <p:sldId id="264" r:id="rId10"/>
+    <p:sldId id="256" r:id="rId3"/>
+    <p:sldId id="257" r:id="rId4"/>
+    <p:sldId id="258" r:id="rId5"/>
+    <p:sldId id="259" r:id="rId6"/>
+    <p:sldId id="260" r:id="rId7"/>
+    <p:sldId id="261" r:id="rId8"/>
+    <p:sldId id="262" r:id="rId9"/>
+    <p:sldId id="263" r:id="rId10"/>
+    <p:sldId id="264" r:id="rId11"/>
   </p:sldIdLst>
   <p:sldSz cx="12192000" cy="6858000"/>
   <p:notesSz cx="6858000" cy="9144000"/>
@@ -331,10 +331,9 @@
           <a:lstStyle/>
           <a:p>
             <a:fld id="{551C65BC-B530-4241-843F-EA0A48020F74}" type="datetimeFigureOut">
-              <a:rPr lang="en-VN" smtClean="0"/>
-              <a:t>05/12/2024</a:t>
+              <a:rPr lang="en-US" smtClean="0"/>
             </a:fld>
-            <a:endParaRPr lang="en-VN"/>
+            <a:endParaRPr lang="en-US"/>
           </a:p>
         </p:txBody>
       </p:sp>
@@ -353,7 +352,7 @@
           <a:bodyPr/>
           <a:lstStyle/>
           <a:p>
-            <a:endParaRPr lang="en-VN"/>
+            <a:endParaRPr lang="en-US"/>
           </a:p>
         </p:txBody>
       </p:sp>
@@ -373,10 +372,9 @@
           <a:lstStyle/>
           <a:p>
             <a:fld id="{CD442233-5D87-E246-A4CD-1861F1DB0E6C}" type="slidenum">
-              <a:rPr lang="en-VN" smtClean="0"/>
-              <a:t>‹#›</a:t>
+              <a:rPr lang="en-US" smtClean="0"/>
             </a:fld>
-            <a:endParaRPr lang="en-VN"/>
+            <a:endParaRPr lang="en-US"/>
           </a:p>
         </p:txBody>
       </p:sp>
@@ -422,11 +420,6 @@
         </p:txBody>
       </p:sp>
     </p:spTree>
-    <p:extLst>
-      <p:ext uri="{BB962C8B-B14F-4D97-AF65-F5344CB8AC3E}">
-        <p14:creationId xmlns:p14="http://schemas.microsoft.com/office/powerpoint/2010/main" val="2495549783"/>
-      </p:ext>
-    </p:extLst>
   </p:cSld>
   <p:clrMapOvr>
     <a:masterClrMapping/>
@@ -618,6 +611,7 @@
               <a:rPr lang="en-US"/>
               <a:t>Click to edit Master text styles</a:t>
             </a:r>
+            <a:endParaRPr lang="en-US"/>
           </a:p>
           <a:p>
             <a:pPr lvl="1"/>
@@ -625,6 +619,7 @@
               <a:rPr lang="en-US"/>
               <a:t>Second level</a:t>
             </a:r>
+            <a:endParaRPr lang="en-US"/>
           </a:p>
           <a:p>
             <a:pPr lvl="2"/>
@@ -632,6 +627,7 @@
               <a:rPr lang="en-US"/>
               <a:t>Third level</a:t>
             </a:r>
+            <a:endParaRPr lang="en-US"/>
           </a:p>
           <a:p>
             <a:pPr lvl="3"/>
@@ -639,6 +635,7 @@
               <a:rPr lang="en-US"/>
               <a:t>Fourth level</a:t>
             </a:r>
+            <a:endParaRPr lang="en-US"/>
           </a:p>
           <a:p>
             <a:pPr lvl="4"/>
@@ -666,10 +663,9 @@
           <a:lstStyle/>
           <a:p>
             <a:fld id="{551C65BC-B530-4241-843F-EA0A48020F74}" type="datetimeFigureOut">
-              <a:rPr lang="en-VN" smtClean="0"/>
-              <a:t>05/12/2024</a:t>
+              <a:rPr lang="en-US" smtClean="0"/>
             </a:fld>
-            <a:endParaRPr lang="en-VN"/>
+            <a:endParaRPr lang="en-US"/>
           </a:p>
         </p:txBody>
       </p:sp>
@@ -688,7 +684,7 @@
           <a:bodyPr/>
           <a:lstStyle/>
           <a:p>
-            <a:endParaRPr lang="en-VN"/>
+            <a:endParaRPr lang="en-US"/>
           </a:p>
         </p:txBody>
       </p:sp>
@@ -708,19 +704,13 @@
           <a:lstStyle/>
           <a:p>
             <a:fld id="{CD442233-5D87-E246-A4CD-1861F1DB0E6C}" type="slidenum">
-              <a:rPr lang="en-VN" smtClean="0"/>
-              <a:t>‹#›</a:t>
+              <a:rPr lang="en-US" smtClean="0"/>
             </a:fld>
-            <a:endParaRPr lang="en-VN"/>
+            <a:endParaRPr lang="en-US"/>
           </a:p>
         </p:txBody>
       </p:sp>
     </p:spTree>
-    <p:extLst>
-      <p:ext uri="{BB962C8B-B14F-4D97-AF65-F5344CB8AC3E}">
-        <p14:creationId xmlns:p14="http://schemas.microsoft.com/office/powerpoint/2010/main" val="2265651803"/>
-      </p:ext>
-    </p:extLst>
   </p:cSld>
   <p:clrMapOvr>
     <a:masterClrMapping/>
@@ -921,6 +911,7 @@
               <a:rPr lang="en-US"/>
               <a:t>Click to edit Master text styles</a:t>
             </a:r>
+            <a:endParaRPr lang="en-US"/>
           </a:p>
           <a:p>
             <a:pPr lvl="1"/>
@@ -928,6 +919,7 @@
               <a:rPr lang="en-US"/>
               <a:t>Second level</a:t>
             </a:r>
+            <a:endParaRPr lang="en-US"/>
           </a:p>
           <a:p>
             <a:pPr lvl="2"/>
@@ -935,6 +927,7 @@
               <a:rPr lang="en-US"/>
               <a:t>Third level</a:t>
             </a:r>
+            <a:endParaRPr lang="en-US"/>
           </a:p>
           <a:p>
             <a:pPr lvl="3"/>
@@ -942,6 +935,7 @@
               <a:rPr lang="en-US"/>
               <a:t>Fourth level</a:t>
             </a:r>
+            <a:endParaRPr lang="en-US"/>
           </a:p>
           <a:p>
             <a:pPr lvl="4"/>
@@ -969,10 +963,9 @@
           <a:lstStyle/>
           <a:p>
             <a:fld id="{551C65BC-B530-4241-843F-EA0A48020F74}" type="datetimeFigureOut">
-              <a:rPr lang="en-VN" smtClean="0"/>
-              <a:t>05/12/2024</a:t>
+              <a:rPr lang="en-US" smtClean="0"/>
             </a:fld>
-            <a:endParaRPr lang="en-VN"/>
+            <a:endParaRPr lang="en-US"/>
           </a:p>
         </p:txBody>
       </p:sp>
@@ -991,7 +984,7 @@
           <a:bodyPr/>
           <a:lstStyle/>
           <a:p>
-            <a:endParaRPr lang="en-VN"/>
+            <a:endParaRPr lang="en-US"/>
           </a:p>
         </p:txBody>
       </p:sp>
@@ -1011,19 +1004,13 @@
           <a:lstStyle/>
           <a:p>
             <a:fld id="{CD442233-5D87-E246-A4CD-1861F1DB0E6C}" type="slidenum">
-              <a:rPr lang="en-VN" smtClean="0"/>
-              <a:t>‹#›</a:t>
+              <a:rPr lang="en-US" smtClean="0"/>
             </a:fld>
-            <a:endParaRPr lang="en-VN"/>
+            <a:endParaRPr lang="en-US"/>
           </a:p>
         </p:txBody>
       </p:sp>
     </p:spTree>
-    <p:extLst>
-      <p:ext uri="{BB962C8B-B14F-4D97-AF65-F5344CB8AC3E}">
-        <p14:creationId xmlns:p14="http://schemas.microsoft.com/office/powerpoint/2010/main" val="2377462428"/>
-      </p:ext>
-    </p:extLst>
   </p:cSld>
   <p:clrMapOvr>
     <a:masterClrMapping/>
@@ -1169,6 +1156,7 @@
               <a:rPr lang="en-US"/>
               <a:t>Click to edit Master text styles</a:t>
             </a:r>
+            <a:endParaRPr lang="en-US"/>
           </a:p>
           <a:p>
             <a:pPr lvl="1"/>
@@ -1176,6 +1164,7 @@
               <a:rPr lang="en-US"/>
               <a:t>Second level</a:t>
             </a:r>
+            <a:endParaRPr lang="en-US"/>
           </a:p>
           <a:p>
             <a:pPr lvl="2"/>
@@ -1183,6 +1172,7 @@
               <a:rPr lang="en-US"/>
               <a:t>Third level</a:t>
             </a:r>
+            <a:endParaRPr lang="en-US"/>
           </a:p>
           <a:p>
             <a:pPr lvl="3"/>
@@ -1190,6 +1180,7 @@
               <a:rPr lang="en-US"/>
               <a:t>Fourth level</a:t>
             </a:r>
+            <a:endParaRPr lang="en-US"/>
           </a:p>
           <a:p>
             <a:pPr lvl="4"/>
@@ -1217,10 +1208,9 @@
           <a:lstStyle/>
           <a:p>
             <a:fld id="{551C65BC-B530-4241-843F-EA0A48020F74}" type="datetimeFigureOut">
-              <a:rPr lang="en-VN" smtClean="0"/>
-              <a:t>05/12/2024</a:t>
+              <a:rPr lang="en-US" smtClean="0"/>
             </a:fld>
-            <a:endParaRPr lang="en-VN"/>
+            <a:endParaRPr lang="en-US"/>
           </a:p>
         </p:txBody>
       </p:sp>
@@ -1239,7 +1229,7 @@
           <a:bodyPr/>
           <a:lstStyle/>
           <a:p>
-            <a:endParaRPr lang="en-VN"/>
+            <a:endParaRPr lang="en-US"/>
           </a:p>
         </p:txBody>
       </p:sp>
@@ -1259,10 +1249,9 @@
           <a:lstStyle/>
           <a:p>
             <a:fld id="{CD442233-5D87-E246-A4CD-1861F1DB0E6C}" type="slidenum">
-              <a:rPr lang="en-VN" smtClean="0"/>
-              <a:t>‹#›</a:t>
+              <a:rPr lang="en-US" smtClean="0"/>
             </a:fld>
-            <a:endParaRPr lang="en-VN"/>
+            <a:endParaRPr lang="en-US"/>
           </a:p>
         </p:txBody>
       </p:sp>
@@ -1308,11 +1297,6 @@
         </p:txBody>
       </p:sp>
     </p:spTree>
-    <p:extLst>
-      <p:ext uri="{BB962C8B-B14F-4D97-AF65-F5344CB8AC3E}">
-        <p14:creationId xmlns:p14="http://schemas.microsoft.com/office/powerpoint/2010/main" val="3851770128"/>
-      </p:ext>
-    </p:extLst>
   </p:cSld>
   <p:clrMapOvr>
     <a:masterClrMapping/>
@@ -1606,6 +1590,7 @@
               <a:rPr lang="en-US"/>
               <a:t>Click to edit Master text styles</a:t>
             </a:r>
+            <a:endParaRPr lang="en-US"/>
           </a:p>
         </p:txBody>
       </p:sp>
@@ -1625,10 +1610,9 @@
           <a:lstStyle/>
           <a:p>
             <a:fld id="{551C65BC-B530-4241-843F-EA0A48020F74}" type="datetimeFigureOut">
-              <a:rPr lang="en-VN" smtClean="0"/>
-              <a:t>05/12/2024</a:t>
+              <a:rPr lang="en-US" smtClean="0"/>
             </a:fld>
-            <a:endParaRPr lang="en-VN"/>
+            <a:endParaRPr lang="en-US"/>
           </a:p>
         </p:txBody>
       </p:sp>
@@ -1647,7 +1631,7 @@
           <a:bodyPr/>
           <a:lstStyle/>
           <a:p>
-            <a:endParaRPr lang="en-VN"/>
+            <a:endParaRPr lang="en-US"/>
           </a:p>
         </p:txBody>
       </p:sp>
@@ -1667,19 +1651,13 @@
           <a:lstStyle/>
           <a:p>
             <a:fld id="{CD442233-5D87-E246-A4CD-1861F1DB0E6C}" type="slidenum">
-              <a:rPr lang="en-VN" smtClean="0"/>
-              <a:t>‹#›</a:t>
+              <a:rPr lang="en-US" smtClean="0"/>
             </a:fld>
-            <a:endParaRPr lang="en-VN"/>
+            <a:endParaRPr lang="en-US"/>
           </a:p>
         </p:txBody>
       </p:sp>
     </p:spTree>
-    <p:extLst>
-      <p:ext uri="{BB962C8B-B14F-4D97-AF65-F5344CB8AC3E}">
-        <p14:creationId xmlns:p14="http://schemas.microsoft.com/office/powerpoint/2010/main" val="2145882363"/>
-      </p:ext>
-    </p:extLst>
   </p:cSld>
   <p:clrMapOvr>
     <a:masterClrMapping/>
@@ -1835,6 +1813,7 @@
               <a:rPr lang="en-US"/>
               <a:t>Click to edit Master text styles</a:t>
             </a:r>
+            <a:endParaRPr lang="en-US"/>
           </a:p>
           <a:p>
             <a:pPr lvl="1"/>
@@ -1842,6 +1821,7 @@
               <a:rPr lang="en-US"/>
               <a:t>Second level</a:t>
             </a:r>
+            <a:endParaRPr lang="en-US"/>
           </a:p>
           <a:p>
             <a:pPr lvl="2"/>
@@ -1849,6 +1829,7 @@
               <a:rPr lang="en-US"/>
               <a:t>Third level</a:t>
             </a:r>
+            <a:endParaRPr lang="en-US"/>
           </a:p>
           <a:p>
             <a:pPr lvl="3"/>
@@ -1856,6 +1837,7 @@
               <a:rPr lang="en-US"/>
               <a:t>Fourth level</a:t>
             </a:r>
+            <a:endParaRPr lang="en-US"/>
           </a:p>
           <a:p>
             <a:pPr lvl="4"/>
@@ -1892,6 +1874,7 @@
               <a:rPr lang="en-US"/>
               <a:t>Click to edit Master text styles</a:t>
             </a:r>
+            <a:endParaRPr lang="en-US"/>
           </a:p>
           <a:p>
             <a:pPr lvl="1"/>
@@ -1899,6 +1882,7 @@
               <a:rPr lang="en-US"/>
               <a:t>Second level</a:t>
             </a:r>
+            <a:endParaRPr lang="en-US"/>
           </a:p>
           <a:p>
             <a:pPr lvl="2"/>
@@ -1906,6 +1890,7 @@
               <a:rPr lang="en-US"/>
               <a:t>Third level</a:t>
             </a:r>
+            <a:endParaRPr lang="en-US"/>
           </a:p>
           <a:p>
             <a:pPr lvl="3"/>
@@ -1913,6 +1898,7 @@
               <a:rPr lang="en-US"/>
               <a:t>Fourth level</a:t>
             </a:r>
+            <a:endParaRPr lang="en-US"/>
           </a:p>
           <a:p>
             <a:pPr lvl="4"/>
@@ -1940,10 +1926,9 @@
           <a:lstStyle/>
           <a:p>
             <a:fld id="{551C65BC-B530-4241-843F-EA0A48020F74}" type="datetimeFigureOut">
-              <a:rPr lang="en-VN" smtClean="0"/>
-              <a:t>05/12/2024</a:t>
+              <a:rPr lang="en-US" smtClean="0"/>
             </a:fld>
-            <a:endParaRPr lang="en-VN"/>
+            <a:endParaRPr lang="en-US"/>
           </a:p>
         </p:txBody>
       </p:sp>
@@ -1962,7 +1947,7 @@
           <a:bodyPr/>
           <a:lstStyle/>
           <a:p>
-            <a:endParaRPr lang="en-VN"/>
+            <a:endParaRPr lang="en-US"/>
           </a:p>
         </p:txBody>
       </p:sp>
@@ -1982,10 +1967,9 @@
           <a:lstStyle/>
           <a:p>
             <a:fld id="{CD442233-5D87-E246-A4CD-1861F1DB0E6C}" type="slidenum">
-              <a:rPr lang="en-VN" smtClean="0"/>
-              <a:t>‹#›</a:t>
+              <a:rPr lang="en-US" smtClean="0"/>
             </a:fld>
-            <a:endParaRPr lang="en-VN"/>
+            <a:endParaRPr lang="en-US"/>
           </a:p>
         </p:txBody>
       </p:sp>
@@ -2031,11 +2015,6 @@
         </p:txBody>
       </p:sp>
     </p:spTree>
-    <p:extLst>
-      <p:ext uri="{BB962C8B-B14F-4D97-AF65-F5344CB8AC3E}">
-        <p14:creationId xmlns:p14="http://schemas.microsoft.com/office/powerpoint/2010/main" val="3872873133"/>
-      </p:ext>
-    </p:extLst>
   </p:cSld>
   <p:clrMapOvr>
     <a:masterClrMapping/>
@@ -2278,6 +2257,7 @@
               <a:rPr lang="en-US"/>
               <a:t>Click to edit Master text styles</a:t>
             </a:r>
+            <a:endParaRPr lang="en-US"/>
           </a:p>
         </p:txBody>
       </p:sp>
@@ -2306,6 +2286,7 @@
               <a:rPr lang="en-US"/>
               <a:t>Click to edit Master text styles</a:t>
             </a:r>
+            <a:endParaRPr lang="en-US"/>
           </a:p>
           <a:p>
             <a:pPr lvl="1"/>
@@ -2313,6 +2294,7 @@
               <a:rPr lang="en-US"/>
               <a:t>Second level</a:t>
             </a:r>
+            <a:endParaRPr lang="en-US"/>
           </a:p>
           <a:p>
             <a:pPr lvl="2"/>
@@ -2320,6 +2302,7 @@
               <a:rPr lang="en-US"/>
               <a:t>Third level</a:t>
             </a:r>
+            <a:endParaRPr lang="en-US"/>
           </a:p>
           <a:p>
             <a:pPr lvl="3"/>
@@ -2327,6 +2310,7 @@
               <a:rPr lang="en-US"/>
               <a:t>Fourth level</a:t>
             </a:r>
+            <a:endParaRPr lang="en-US"/>
           </a:p>
           <a:p>
             <a:pPr lvl="4"/>
@@ -2409,6 +2393,7 @@
               <a:rPr lang="en-US"/>
               <a:t>Click to edit Master text styles</a:t>
             </a:r>
+            <a:endParaRPr lang="en-US"/>
           </a:p>
         </p:txBody>
       </p:sp>
@@ -2437,6 +2422,7 @@
               <a:rPr lang="en-US"/>
               <a:t>Click to edit Master text styles</a:t>
             </a:r>
+            <a:endParaRPr lang="en-US"/>
           </a:p>
           <a:p>
             <a:pPr lvl="1"/>
@@ -2444,6 +2430,7 @@
               <a:rPr lang="en-US"/>
               <a:t>Second level</a:t>
             </a:r>
+            <a:endParaRPr lang="en-US"/>
           </a:p>
           <a:p>
             <a:pPr lvl="2"/>
@@ -2451,6 +2438,7 @@
               <a:rPr lang="en-US"/>
               <a:t>Third level</a:t>
             </a:r>
+            <a:endParaRPr lang="en-US"/>
           </a:p>
           <a:p>
             <a:pPr lvl="3"/>
@@ -2458,6 +2446,7 @@
               <a:rPr lang="en-US"/>
               <a:t>Fourth level</a:t>
             </a:r>
+            <a:endParaRPr lang="en-US"/>
           </a:p>
           <a:p>
             <a:pPr lvl="4"/>
@@ -2485,10 +2474,9 @@
           <a:lstStyle/>
           <a:p>
             <a:fld id="{551C65BC-B530-4241-843F-EA0A48020F74}" type="datetimeFigureOut">
-              <a:rPr lang="en-VN" smtClean="0"/>
-              <a:t>05/12/2024</a:t>
+              <a:rPr lang="en-US" smtClean="0"/>
             </a:fld>
-            <a:endParaRPr lang="en-VN"/>
+            <a:endParaRPr lang="en-US"/>
           </a:p>
         </p:txBody>
       </p:sp>
@@ -2507,7 +2495,7 @@
           <a:bodyPr/>
           <a:lstStyle/>
           <a:p>
-            <a:endParaRPr lang="en-VN"/>
+            <a:endParaRPr lang="en-US"/>
           </a:p>
         </p:txBody>
       </p:sp>
@@ -2527,19 +2515,13 @@
           <a:lstStyle/>
           <a:p>
             <a:fld id="{CD442233-5D87-E246-A4CD-1861F1DB0E6C}" type="slidenum">
-              <a:rPr lang="en-VN" smtClean="0"/>
-              <a:t>‹#›</a:t>
+              <a:rPr lang="en-US" smtClean="0"/>
             </a:fld>
-            <a:endParaRPr lang="en-VN"/>
+            <a:endParaRPr lang="en-US"/>
           </a:p>
         </p:txBody>
       </p:sp>
     </p:spTree>
-    <p:extLst>
-      <p:ext uri="{BB962C8B-B14F-4D97-AF65-F5344CB8AC3E}">
-        <p14:creationId xmlns:p14="http://schemas.microsoft.com/office/powerpoint/2010/main" val="2267236510"/>
-      </p:ext>
-    </p:extLst>
   </p:cSld>
   <p:clrMapOvr>
     <a:masterClrMapping/>
@@ -2681,10 +2663,9 @@
           <a:lstStyle/>
           <a:p>
             <a:fld id="{551C65BC-B530-4241-843F-EA0A48020F74}" type="datetimeFigureOut">
-              <a:rPr lang="en-VN" smtClean="0"/>
-              <a:t>05/12/2024</a:t>
+              <a:rPr lang="en-US" smtClean="0"/>
             </a:fld>
-            <a:endParaRPr lang="en-VN"/>
+            <a:endParaRPr lang="en-US"/>
           </a:p>
         </p:txBody>
       </p:sp>
@@ -2703,7 +2684,7 @@
           <a:bodyPr/>
           <a:lstStyle/>
           <a:p>
-            <a:endParaRPr lang="en-VN"/>
+            <a:endParaRPr lang="en-US"/>
           </a:p>
         </p:txBody>
       </p:sp>
@@ -2723,10 +2704,9 @@
           <a:lstStyle/>
           <a:p>
             <a:fld id="{CD442233-5D87-E246-A4CD-1861F1DB0E6C}" type="slidenum">
-              <a:rPr lang="en-VN" smtClean="0"/>
-              <a:t>‹#›</a:t>
+              <a:rPr lang="en-US" smtClean="0"/>
             </a:fld>
-            <a:endParaRPr lang="en-VN"/>
+            <a:endParaRPr lang="en-US"/>
           </a:p>
         </p:txBody>
       </p:sp>
@@ -2772,11 +2752,6 @@
         </p:txBody>
       </p:sp>
     </p:spTree>
-    <p:extLst>
-      <p:ext uri="{BB962C8B-B14F-4D97-AF65-F5344CB8AC3E}">
-        <p14:creationId xmlns:p14="http://schemas.microsoft.com/office/powerpoint/2010/main" val="4126851579"/>
-      </p:ext>
-    </p:extLst>
   </p:cSld>
   <p:clrMapOvr>
     <a:masterClrMapping/>
@@ -2895,10 +2870,9 @@
           <a:lstStyle/>
           <a:p>
             <a:fld id="{551C65BC-B530-4241-843F-EA0A48020F74}" type="datetimeFigureOut">
-              <a:rPr lang="en-VN" smtClean="0"/>
-              <a:t>05/12/2024</a:t>
+              <a:rPr lang="en-US" smtClean="0"/>
             </a:fld>
-            <a:endParaRPr lang="en-VN"/>
+            <a:endParaRPr lang="en-US"/>
           </a:p>
         </p:txBody>
       </p:sp>
@@ -2917,7 +2891,7 @@
           <a:bodyPr/>
           <a:lstStyle/>
           <a:p>
-            <a:endParaRPr lang="en-VN"/>
+            <a:endParaRPr lang="en-US"/>
           </a:p>
         </p:txBody>
       </p:sp>
@@ -2937,19 +2911,13 @@
           <a:lstStyle/>
           <a:p>
             <a:fld id="{CD442233-5D87-E246-A4CD-1861F1DB0E6C}" type="slidenum">
-              <a:rPr lang="en-VN" smtClean="0"/>
-              <a:t>‹#›</a:t>
+              <a:rPr lang="en-US" smtClean="0"/>
             </a:fld>
-            <a:endParaRPr lang="en-VN"/>
+            <a:endParaRPr lang="en-US"/>
           </a:p>
         </p:txBody>
       </p:sp>
     </p:spTree>
-    <p:extLst>
-      <p:ext uri="{BB962C8B-B14F-4D97-AF65-F5344CB8AC3E}">
-        <p14:creationId xmlns:p14="http://schemas.microsoft.com/office/powerpoint/2010/main" val="848836491"/>
-      </p:ext>
-    </p:extLst>
   </p:cSld>
   <p:clrMapOvr>
     <a:masterClrMapping/>
@@ -3152,6 +3120,7 @@
               <a:rPr lang="en-US"/>
               <a:t>Click to edit Master text styles</a:t>
             </a:r>
+            <a:endParaRPr lang="en-US"/>
           </a:p>
           <a:p>
             <a:pPr lvl="1"/>
@@ -3159,6 +3128,7 @@
               <a:rPr lang="en-US"/>
               <a:t>Second level</a:t>
             </a:r>
+            <a:endParaRPr lang="en-US"/>
           </a:p>
           <a:p>
             <a:pPr lvl="2"/>
@@ -3166,6 +3136,7 @@
               <a:rPr lang="en-US"/>
               <a:t>Third level</a:t>
             </a:r>
+            <a:endParaRPr lang="en-US"/>
           </a:p>
           <a:p>
             <a:pPr lvl="3"/>
@@ -3173,6 +3144,7 @@
               <a:rPr lang="en-US"/>
               <a:t>Fourth level</a:t>
             </a:r>
+            <a:endParaRPr lang="en-US"/>
           </a:p>
           <a:p>
             <a:pPr lvl="4"/>
@@ -3246,6 +3218,7 @@
               <a:rPr lang="en-US"/>
               <a:t>Click to edit Master text styles</a:t>
             </a:r>
+            <a:endParaRPr lang="en-US"/>
           </a:p>
         </p:txBody>
       </p:sp>
@@ -3265,10 +3238,9 @@
           <a:lstStyle/>
           <a:p>
             <a:fld id="{551C65BC-B530-4241-843F-EA0A48020F74}" type="datetimeFigureOut">
-              <a:rPr lang="en-VN" smtClean="0"/>
-              <a:t>05/12/2024</a:t>
+              <a:rPr lang="en-US" smtClean="0"/>
             </a:fld>
-            <a:endParaRPr lang="en-VN"/>
+            <a:endParaRPr lang="en-US"/>
           </a:p>
         </p:txBody>
       </p:sp>
@@ -3287,7 +3259,7 @@
           <a:bodyPr/>
           <a:lstStyle/>
           <a:p>
-            <a:endParaRPr lang="en-VN"/>
+            <a:endParaRPr lang="en-US"/>
           </a:p>
         </p:txBody>
       </p:sp>
@@ -3307,19 +3279,13 @@
           <a:lstStyle/>
           <a:p>
             <a:fld id="{CD442233-5D87-E246-A4CD-1861F1DB0E6C}" type="slidenum">
-              <a:rPr lang="en-VN" smtClean="0"/>
-              <a:t>‹#›</a:t>
+              <a:rPr lang="en-US" smtClean="0"/>
             </a:fld>
-            <a:endParaRPr lang="en-VN"/>
+            <a:endParaRPr lang="en-US"/>
           </a:p>
         </p:txBody>
       </p:sp>
     </p:spTree>
-    <p:extLst>
-      <p:ext uri="{BB962C8B-B14F-4D97-AF65-F5344CB8AC3E}">
-        <p14:creationId xmlns:p14="http://schemas.microsoft.com/office/powerpoint/2010/main" val="1318848356"/>
-      </p:ext>
-    </p:extLst>
   </p:cSld>
   <p:clrMapOvr>
     <a:masterClrMapping/>
@@ -3650,6 +3616,7 @@
               <a:rPr lang="en-US"/>
               <a:t>Click to edit Master text styles</a:t>
             </a:r>
+            <a:endParaRPr lang="en-US"/>
           </a:p>
         </p:txBody>
       </p:sp>
@@ -3669,10 +3636,9 @@
           <a:lstStyle/>
           <a:p>
             <a:fld id="{551C65BC-B530-4241-843F-EA0A48020F74}" type="datetimeFigureOut">
-              <a:rPr lang="en-VN" smtClean="0"/>
-              <a:t>05/12/2024</a:t>
+              <a:rPr lang="en-US" smtClean="0"/>
             </a:fld>
-            <a:endParaRPr lang="en-VN"/>
+            <a:endParaRPr lang="en-US"/>
           </a:p>
         </p:txBody>
       </p:sp>
@@ -3691,7 +3657,7 @@
           <a:bodyPr/>
           <a:lstStyle/>
           <a:p>
-            <a:endParaRPr lang="en-VN"/>
+            <a:endParaRPr lang="en-US"/>
           </a:p>
         </p:txBody>
       </p:sp>
@@ -3711,19 +3677,13 @@
           <a:lstStyle/>
           <a:p>
             <a:fld id="{CD442233-5D87-E246-A4CD-1861F1DB0E6C}" type="slidenum">
-              <a:rPr lang="en-VN" smtClean="0"/>
-              <a:t>‹#›</a:t>
+              <a:rPr lang="en-US" smtClean="0"/>
             </a:fld>
-            <a:endParaRPr lang="en-VN"/>
+            <a:endParaRPr lang="en-US"/>
           </a:p>
         </p:txBody>
       </p:sp>
     </p:spTree>
-    <p:extLst>
-      <p:ext uri="{BB962C8B-B14F-4D97-AF65-F5344CB8AC3E}">
-        <p14:creationId xmlns:p14="http://schemas.microsoft.com/office/powerpoint/2010/main" val="1884963065"/>
-      </p:ext>
-    </p:extLst>
   </p:cSld>
   <p:clrMapOvr>
     <a:masterClrMapping/>
@@ -3762,7 +3722,7 @@
           <p:nvPr/>
         </p:nvPicPr>
         <p:blipFill>
-          <a:blip r:embed="rId13">
+          <a:blip r:embed="rId12">
             <a:extLst>
               <a:ext uri="{28A0092B-C50C-407E-A947-70E740481C1C}">
                 <a14:useLocalDpi xmlns:a14="http://schemas.microsoft.com/office/drawing/2010/main" val="0"/>
@@ -3792,7 +3752,7 @@
           <p:nvPr/>
         </p:nvPicPr>
         <p:blipFill>
-          <a:blip r:embed="rId14">
+          <a:blip r:embed="rId13">
             <a:extLst>
               <a:ext uri="{28A0092B-C50C-407E-A947-70E740481C1C}">
                 <a14:useLocalDpi xmlns:a14="http://schemas.microsoft.com/office/drawing/2010/main" val="0"/>
@@ -3914,6 +3874,7 @@
               <a:rPr lang="en-US"/>
               <a:t>Click to edit Master text styles</a:t>
             </a:r>
+            <a:endParaRPr lang="en-US"/>
           </a:p>
           <a:p>
             <a:pPr lvl="1"/>
@@ -3921,6 +3882,7 @@
               <a:rPr lang="en-US"/>
               <a:t>Second level</a:t>
             </a:r>
+            <a:endParaRPr lang="en-US"/>
           </a:p>
           <a:p>
             <a:pPr lvl="2"/>
@@ -3928,6 +3890,7 @@
               <a:rPr lang="en-US"/>
               <a:t>Third level</a:t>
             </a:r>
+            <a:endParaRPr lang="en-US"/>
           </a:p>
           <a:p>
             <a:pPr lvl="3"/>
@@ -3935,6 +3898,7 @@
               <a:rPr lang="en-US"/>
               <a:t>Fourth level</a:t>
             </a:r>
+            <a:endParaRPr lang="en-US"/>
           </a:p>
           <a:p>
             <a:pPr lvl="4"/>
@@ -3981,10 +3945,9 @@
           </a:lstStyle>
           <a:p>
             <a:fld id="{551C65BC-B530-4241-843F-EA0A48020F74}" type="datetimeFigureOut">
-              <a:rPr lang="en-VN" smtClean="0"/>
-              <a:t>05/12/2024</a:t>
+              <a:rPr lang="en-US" smtClean="0"/>
             </a:fld>
-            <a:endParaRPr lang="en-VN"/>
+            <a:endParaRPr lang="en-US"/>
           </a:p>
         </p:txBody>
       </p:sp>
@@ -4021,7 +3984,7 @@
             </a:lvl1pPr>
           </a:lstStyle>
           <a:p>
-            <a:endParaRPr lang="en-VN"/>
+            <a:endParaRPr lang="en-US"/>
           </a:p>
         </p:txBody>
       </p:sp>
@@ -4059,10 +4022,9 @@
           </a:lstStyle>
           <a:p>
             <a:fld id="{CD442233-5D87-E246-A4CD-1861F1DB0E6C}" type="slidenum">
-              <a:rPr lang="en-VN" smtClean="0"/>
-              <a:t>‹#›</a:t>
+              <a:rPr lang="en-US" smtClean="0"/>
             </a:fld>
-            <a:endParaRPr lang="en-VN"/>
+            <a:endParaRPr lang="en-US"/>
           </a:p>
         </p:txBody>
       </p:sp>
@@ -4105,25 +4067,20 @@
         </p:style>
       </p:sp>
     </p:spTree>
-    <p:extLst>
-      <p:ext uri="{BB962C8B-B14F-4D97-AF65-F5344CB8AC3E}">
-        <p14:creationId xmlns:p14="http://schemas.microsoft.com/office/powerpoint/2010/main" val="2551269634"/>
-      </p:ext>
-    </p:extLst>
   </p:cSld>
   <p:clrMap bg1="dk1" tx1="lt1" bg2="dk2" tx2="lt2" accent1="accent1" accent2="accent2" accent3="accent3" accent4="accent4" accent5="accent5" accent6="accent6" hlink="hlink" folHlink="folHlink"/>
   <p:sldLayoutIdLst>
-    <p:sldLayoutId id="2147483661" r:id="rId1"/>
-    <p:sldLayoutId id="2147483662" r:id="rId2"/>
-    <p:sldLayoutId id="2147483663" r:id="rId3"/>
-    <p:sldLayoutId id="2147483664" r:id="rId4"/>
-    <p:sldLayoutId id="2147483665" r:id="rId5"/>
-    <p:sldLayoutId id="2147483666" r:id="rId6"/>
-    <p:sldLayoutId id="2147483667" r:id="rId7"/>
-    <p:sldLayoutId id="2147483668" r:id="rId8"/>
-    <p:sldLayoutId id="2147483669" r:id="rId9"/>
-    <p:sldLayoutId id="2147483670" r:id="rId10"/>
-    <p:sldLayoutId id="2147483671" r:id="rId11"/>
+    <p:sldLayoutId id="2147483649" r:id="rId1"/>
+    <p:sldLayoutId id="2147483650" r:id="rId2"/>
+    <p:sldLayoutId id="2147483651" r:id="rId3"/>
+    <p:sldLayoutId id="2147483652" r:id="rId4"/>
+    <p:sldLayoutId id="2147483653" r:id="rId5"/>
+    <p:sldLayoutId id="2147483654" r:id="rId6"/>
+    <p:sldLayoutId id="2147483655" r:id="rId7"/>
+    <p:sldLayoutId id="2147483656" r:id="rId8"/>
+    <p:sldLayoutId id="2147483657" r:id="rId9"/>
+    <p:sldLayoutId id="2147483658" r:id="rId10"/>
+    <p:sldLayoutId id="2147483659" r:id="rId11"/>
   </p:sldLayoutIdLst>
   <p:txStyles>
     <p:titleStyle>
@@ -4147,7 +4104,7 @@
       </a:lvl1pPr>
     </p:titleStyle>
     <p:bodyStyle>
-      <a:lvl1pPr marL="344488" indent="-344488" algn="l" defTabSz="914400" rtl="0" eaLnBrk="1" latinLnBrk="0" hangingPunct="1">
+      <a:lvl1pPr marL="344805" indent="-344805" algn="l" defTabSz="914400" rtl="0" eaLnBrk="1" latinLnBrk="0" hangingPunct="1">
         <a:lnSpc>
           <a:spcPct val="120000"/>
         </a:lnSpc>
@@ -4173,7 +4130,7 @@
           <a:cs typeface="+mn-cs"/>
         </a:defRPr>
       </a:lvl1pPr>
-      <a:lvl2pPr marL="795338" indent="-338138" algn="l" defTabSz="914400" rtl="0" eaLnBrk="1" latinLnBrk="0" hangingPunct="1">
+      <a:lvl2pPr marL="795655" indent="-338455" algn="l" defTabSz="914400" rtl="0" eaLnBrk="1" latinLnBrk="0" hangingPunct="1">
         <a:lnSpc>
           <a:spcPct val="120000"/>
         </a:lnSpc>
@@ -4199,7 +4156,7 @@
           <a:cs typeface="+mn-cs"/>
         </a:defRPr>
       </a:lvl2pPr>
-      <a:lvl3pPr marL="1258888" indent="-344488" algn="l" defTabSz="914400" rtl="0" eaLnBrk="1" latinLnBrk="0" hangingPunct="1">
+      <a:lvl3pPr marL="1259205" indent="-344805" algn="l" defTabSz="914400" rtl="0" eaLnBrk="1" latinLnBrk="0" hangingPunct="1">
         <a:lnSpc>
           <a:spcPct val="120000"/>
         </a:lnSpc>
@@ -4225,7 +4182,7 @@
           <a:cs typeface="+mn-cs"/>
         </a:defRPr>
       </a:lvl3pPr>
-      <a:lvl4pPr marL="1709738" indent="-338138" algn="l" defTabSz="914400" rtl="0" eaLnBrk="1" latinLnBrk="0" hangingPunct="1">
+      <a:lvl4pPr marL="1710055" indent="-338455" algn="l" defTabSz="914400" rtl="0" eaLnBrk="1" latinLnBrk="0" hangingPunct="1">
         <a:lnSpc>
           <a:spcPct val="120000"/>
         </a:lnSpc>
@@ -4251,7 +4208,7 @@
           <a:cs typeface="+mn-cs"/>
         </a:defRPr>
       </a:lvl4pPr>
-      <a:lvl5pPr marL="2173288" indent="-344488" algn="l" defTabSz="914400" rtl="0" eaLnBrk="1" latinLnBrk="0" hangingPunct="1">
+      <a:lvl5pPr marL="2173605" indent="-344805" algn="l" defTabSz="914400" rtl="0" eaLnBrk="1" latinLnBrk="0" hangingPunct="1">
         <a:lnSpc>
           <a:spcPct val="120000"/>
         </a:lnSpc>
@@ -4277,7 +4234,7 @@
           <a:cs typeface="+mn-cs"/>
         </a:defRPr>
       </a:lvl5pPr>
-      <a:lvl6pPr marL="2642616" indent="-338328" algn="l" defTabSz="914400" rtl="0" eaLnBrk="1" latinLnBrk="0" hangingPunct="1">
+      <a:lvl6pPr marL="2642870" indent="-338455" algn="l" defTabSz="914400" rtl="0" eaLnBrk="1" latinLnBrk="0" hangingPunct="1">
         <a:lnSpc>
           <a:spcPct val="120000"/>
         </a:lnSpc>
@@ -4303,7 +4260,7 @@
           <a:cs typeface="+mn-cs"/>
         </a:defRPr>
       </a:lvl6pPr>
-      <a:lvl7pPr marL="3108960" indent="-338328" algn="l" defTabSz="914400" rtl="0" eaLnBrk="1" latinLnBrk="0" hangingPunct="1">
+      <a:lvl7pPr marL="3108960" indent="-338455" algn="l" defTabSz="914400" rtl="0" eaLnBrk="1" latinLnBrk="0" hangingPunct="1">
         <a:lnSpc>
           <a:spcPct val="120000"/>
         </a:lnSpc>
@@ -4329,7 +4286,7 @@
           <a:cs typeface="+mn-cs"/>
         </a:defRPr>
       </a:lvl7pPr>
-      <a:lvl8pPr marL="3575304" indent="-338328" algn="l" defTabSz="914400" rtl="0" eaLnBrk="1" latinLnBrk="0" hangingPunct="1">
+      <a:lvl8pPr marL="3575050" indent="-338455" algn="l" defTabSz="914400" rtl="0" eaLnBrk="1" latinLnBrk="0" hangingPunct="1">
         <a:lnSpc>
           <a:spcPct val="120000"/>
         </a:lnSpc>
@@ -4355,7 +4312,7 @@
           <a:cs typeface="+mn-cs"/>
         </a:defRPr>
       </a:lvl8pPr>
-      <a:lvl9pPr marL="4041648" indent="-338328" algn="l" defTabSz="914400" rtl="0" eaLnBrk="1" latinLnBrk="0" hangingPunct="1">
+      <a:lvl9pPr marL="4041775" indent="-338455" algn="l" defTabSz="914400" rtl="0" eaLnBrk="1" latinLnBrk="0" hangingPunct="1">
         <a:lnSpc>
           <a:spcPct val="120000"/>
         </a:lnSpc>
@@ -4500,13 +4457,7 @@
       </p:grpSpPr>
       <p:sp>
         <p:nvSpPr>
-          <p:cNvPr id="2" name="Title 1">
-            <a:extLst>
-              <a:ext uri="{FF2B5EF4-FFF2-40B4-BE49-F238E27FC236}">
-                <a16:creationId xmlns:a16="http://schemas.microsoft.com/office/drawing/2014/main" id="{9C9B10D8-F2FB-1F12-68BA-87CFA3D99D18}"/>
-              </a:ext>
-            </a:extLst>
-          </p:cNvPr>
+          <p:cNvPr id="2" name="Title 1"/>
           <p:cNvSpPr>
             <a:spLocks noGrp="1"/>
           </p:cNvSpPr>
@@ -4514,7 +4465,12 @@
             <p:ph type="ctrTitle"/>
           </p:nvPr>
         </p:nvSpPr>
-        <p:spPr/>
+        <p:spPr>
+          <a:xfrm>
+            <a:off x="2778178" y="843278"/>
+            <a:ext cx="5518066" cy="2268559"/>
+          </a:xfrm>
+        </p:spPr>
         <p:txBody>
           <a:bodyPr>
             <a:normAutofit fontScale="90000"/>
@@ -4525,19 +4481,13 @@
               <a:rPr lang="vi-VN" dirty="0"/>
               <a:t>Nguy cơ từ việc Upload File không an toàn - C99 Shell và giải pháp</a:t>
             </a:r>
-            <a:endParaRPr lang="en-VN" dirty="0"/>
-          </a:p>
-        </p:txBody>
-      </p:sp>
-      <p:sp>
-        <p:nvSpPr>
-          <p:cNvPr id="3" name="Subtitle 2">
-            <a:extLst>
-              <a:ext uri="{FF2B5EF4-FFF2-40B4-BE49-F238E27FC236}">
-                <a16:creationId xmlns:a16="http://schemas.microsoft.com/office/drawing/2014/main" id="{211B3A18-8F5D-D86B-BA8A-3DB3C27F7014}"/>
-              </a:ext>
-            </a:extLst>
-          </p:cNvPr>
+            <a:endParaRPr lang="en-US" dirty="0"/>
+          </a:p>
+        </p:txBody>
+      </p:sp>
+      <p:sp>
+        <p:nvSpPr>
+          <p:cNvPr id="3" name="Subtitle 2"/>
           <p:cNvSpPr>
             <a:spLocks noGrp="1"/>
           </p:cNvSpPr>
@@ -4545,30 +4495,32 @@
             <p:ph type="subTitle" idx="1"/>
           </p:nvPr>
         </p:nvSpPr>
-        <p:spPr/>
+        <p:spPr>
+          <a:xfrm>
+            <a:off x="2777989" y="4469696"/>
+            <a:ext cx="5357600" cy="1160213"/>
+          </a:xfrm>
+        </p:spPr>
         <p:txBody>
           <a:bodyPr/>
           <a:lstStyle/>
           <a:p>
             <a:r>
-              <a:rPr lang="en-VN" dirty="0"/>
+              <a:rPr lang="en-US" dirty="0"/>
               <a:t>HV: LÊ THANH DŨNG</a:t>
             </a:r>
-          </a:p>
-          <a:p>
-            <a:r>
-              <a:rPr lang="en-VN" dirty="0"/>
+            <a:endParaRPr lang="en-US" dirty="0"/>
+          </a:p>
+          <a:p>
+            <a:r>
+              <a:rPr lang="en-US" dirty="0"/>
               <a:t>230101074</a:t>
             </a:r>
+            <a:endParaRPr lang="en-US" dirty="0"/>
           </a:p>
         </p:txBody>
       </p:sp>
     </p:spTree>
-    <p:extLst>
-      <p:ext uri="{BB962C8B-B14F-4D97-AF65-F5344CB8AC3E}">
-        <p14:creationId xmlns:p14="http://schemas.microsoft.com/office/powerpoint/2010/main" val="3820790083"/>
-      </p:ext>
-    </p:extLst>
   </p:cSld>
   <p:clrMapOvr>
     <a:masterClrMapping/>
@@ -4582,8 +4534,10 @@
     <p:bg>
       <p:bgPr>
         <a:blipFill rotWithShape="1">
-          <a:blip r:embed="rId2"/>
-          <a:stretch/>
+          <a:blip r:embed="rId1"/>
+          <a:stretch>
+            <a:fillRect/>
+          </a:stretch>
         </a:blipFill>
         <a:effectLst/>
       </p:bgPr>
@@ -4604,26 +4558,11 @@
       </p:grpSpPr>
       <p:sp useBgFill="1">
         <p:nvSpPr>
-          <p:cNvPr id="9" name="Rectangle 8">
-            <a:extLst>
-              <a:ext uri="{FF2B5EF4-FFF2-40B4-BE49-F238E27FC236}">
-                <a16:creationId xmlns:a16="http://schemas.microsoft.com/office/drawing/2014/main" id="{8BEDFD2F-1480-498D-9A62-BA55B14A3B90}"/>
-              </a:ext>
-              <a:ext uri="{C183D7F6-B498-43B3-948B-1728B52AA6E4}">
-                <adec:decorative xmlns:adec="http://schemas.microsoft.com/office/drawing/2017/decorative" val="1"/>
-              </a:ext>
-            </a:extLst>
-          </p:cNvPr>
+          <p:cNvPr id="9" name="Rectangle 8"/>
           <p:cNvSpPr>
             <a:spLocks noGrp="1" noRot="1" noChangeAspect="1" noMove="1" noResize="1" noEditPoints="1" noAdjustHandles="1" noChangeArrowheads="1" noChangeShapeType="1" noTextEdit="1"/>
           </p:cNvSpPr>
-          <p:nvPr>
-            <p:extLst>
-              <p:ext uri="{386F3935-93C4-4BCD-93E2-E3B085C9AB24}">
-                <p16:designElem xmlns:p16="http://schemas.microsoft.com/office/powerpoint/2015/main" val="1"/>
-              </p:ext>
-            </p:extLst>
-          </p:nvPr>
+          <p:nvPr/>
         </p:nvSpPr>
         <p:spPr>
           <a:xfrm>
@@ -4664,26 +4603,41 @@
       </p:sp>
       <p:pic>
         <p:nvPicPr>
-          <p:cNvPr id="11" name="Picture 10">
-            <a:extLst>
-              <a:ext uri="{FF2B5EF4-FFF2-40B4-BE49-F238E27FC236}">
-                <a16:creationId xmlns:a16="http://schemas.microsoft.com/office/drawing/2014/main" id="{52D381FB-9400-4C85-9074-8D2C4A88D879}"/>
-              </a:ext>
-              <a:ext uri="{C183D7F6-B498-43B3-948B-1728B52AA6E4}">
-                <adec:decorative xmlns:adec="http://schemas.microsoft.com/office/drawing/2017/decorative" val="1"/>
-              </a:ext>
-            </a:extLst>
-          </p:cNvPr>
+          <p:cNvPr id="11" name="Picture 10"/>
           <p:cNvPicPr>
             <a:picLocks noGrp="1" noRot="1" noChangeAspect="1" noMove="1" noResize="1" noEditPoints="1" noAdjustHandles="1" noChangeArrowheads="1" noChangeShapeType="1" noCrop="1"/>
           </p:cNvPicPr>
-          <p:nvPr>
-            <p:extLst>
-              <p:ext uri="{386F3935-93C4-4BCD-93E2-E3B085C9AB24}">
-                <p16:designElem xmlns:p16="http://schemas.microsoft.com/office/powerpoint/2015/main" val="1"/>
-              </p:ext>
-            </p:extLst>
-          </p:nvPr>
+          <p:nvPr/>
+        </p:nvPicPr>
+        <p:blipFill>
+          <a:blip r:embed="rId2">
+            <a:extLst>
+              <a:ext uri="{28A0092B-C50C-407E-A947-70E740481C1C}">
+                <a14:useLocalDpi xmlns:a14="http://schemas.microsoft.com/office/drawing/2010/main" val="0"/>
+              </a:ext>
+            </a:extLst>
+          </a:blip>
+          <a:stretch>
+            <a:fillRect/>
+          </a:stretch>
+        </p:blipFill>
+        <p:spPr>
+          <a:xfrm>
+            <a:off x="2831794" y="2105202"/>
+            <a:ext cx="9360205" cy="4752798"/>
+          </a:xfrm>
+          <a:prstGeom prst="rect">
+            <a:avLst/>
+          </a:prstGeom>
+        </p:spPr>
+      </p:pic>
+      <p:pic>
+        <p:nvPicPr>
+          <p:cNvPr id="13" name="Picture 12"/>
+          <p:cNvPicPr>
+            <a:picLocks noGrp="1" noRot="1" noChangeAspect="1" noMove="1" noResize="1" noEditPoints="1" noAdjustHandles="1" noChangeArrowheads="1" noChangeShapeType="1" noCrop="1"/>
+          </p:cNvPicPr>
+          <p:nvPr/>
         </p:nvPicPr>
         <p:blipFill>
           <a:blip r:embed="rId3">
@@ -4699,82 +4653,21 @@
         </p:blipFill>
         <p:spPr>
           <a:xfrm>
-            <a:off x="2831794" y="2105202"/>
-            <a:ext cx="9360205" cy="4752798"/>
+            <a:off x="0" y="0"/>
+            <a:ext cx="12189867" cy="6858000"/>
           </a:xfrm>
           <a:prstGeom prst="rect">
             <a:avLst/>
           </a:prstGeom>
         </p:spPr>
       </p:pic>
-      <p:pic>
-        <p:nvPicPr>
-          <p:cNvPr id="13" name="Picture 12">
-            <a:extLst>
-              <a:ext uri="{FF2B5EF4-FFF2-40B4-BE49-F238E27FC236}">
-                <a16:creationId xmlns:a16="http://schemas.microsoft.com/office/drawing/2014/main" id="{048C39C2-D375-4197-8882-9EBD58C853C5}"/>
-              </a:ext>
-              <a:ext uri="{C183D7F6-B498-43B3-948B-1728B52AA6E4}">
-                <adec:decorative xmlns:adec="http://schemas.microsoft.com/office/drawing/2017/decorative" val="1"/>
-              </a:ext>
-            </a:extLst>
-          </p:cNvPr>
-          <p:cNvPicPr>
-            <a:picLocks noGrp="1" noRot="1" noChangeAspect="1" noMove="1" noResize="1" noEditPoints="1" noAdjustHandles="1" noChangeArrowheads="1" noChangeShapeType="1" noCrop="1"/>
-          </p:cNvPicPr>
-          <p:nvPr>
-            <p:extLst>
-              <p:ext uri="{386F3935-93C4-4BCD-93E2-E3B085C9AB24}">
-                <p16:designElem xmlns:p16="http://schemas.microsoft.com/office/powerpoint/2015/main" val="1"/>
-              </p:ext>
-            </p:extLst>
-          </p:nvPr>
-        </p:nvPicPr>
-        <p:blipFill>
-          <a:blip r:embed="rId4">
-            <a:alphaModFix/>
-            <a:extLst>
-              <a:ext uri="{28A0092B-C50C-407E-A947-70E740481C1C}">
-                <a14:useLocalDpi xmlns:a14="http://schemas.microsoft.com/office/drawing/2010/main" val="0"/>
-              </a:ext>
-            </a:extLst>
-          </a:blip>
-          <a:stretch>
-            <a:fillRect/>
-          </a:stretch>
-        </p:blipFill>
-        <p:spPr>
-          <a:xfrm>
-            <a:off x="0" y="0"/>
-            <a:ext cx="12189867" cy="6858000"/>
-          </a:xfrm>
-          <a:prstGeom prst="rect">
-            <a:avLst/>
-          </a:prstGeom>
-        </p:spPr>
-      </p:pic>
-      <p:sp>
-        <p:nvSpPr>
-          <p:cNvPr id="15" name="Rectangle 14">
-            <a:extLst>
-              <a:ext uri="{FF2B5EF4-FFF2-40B4-BE49-F238E27FC236}">
-                <a16:creationId xmlns:a16="http://schemas.microsoft.com/office/drawing/2014/main" id="{C306EEC9-6E83-4555-A9D3-7910ED27BAD1}"/>
-              </a:ext>
-              <a:ext uri="{C183D7F6-B498-43B3-948B-1728B52AA6E4}">
-                <adec:decorative xmlns:adec="http://schemas.microsoft.com/office/drawing/2017/decorative" val="1"/>
-              </a:ext>
-            </a:extLst>
-          </p:cNvPr>
+      <p:sp>
+        <p:nvSpPr>
+          <p:cNvPr id="15" name="Rectangle 14"/>
           <p:cNvSpPr>
             <a:spLocks noGrp="1" noRot="1" noChangeAspect="1" noMove="1" noResize="1" noEditPoints="1" noAdjustHandles="1" noChangeArrowheads="1" noChangeShapeType="1" noTextEdit="1"/>
           </p:cNvSpPr>
-          <p:nvPr>
-            <p:extLst>
-              <p:ext uri="{386F3935-93C4-4BCD-93E2-E3B085C9AB24}">
-                <p16:designElem xmlns:p16="http://schemas.microsoft.com/office/powerpoint/2015/main" val="1"/>
-              </p:ext>
-            </p:extLst>
-          </p:nvPr>
+          <p:nvPr/>
         </p:nvSpPr>
         <p:spPr>
           <a:xfrm>
@@ -4818,26 +4711,11 @@
       </p:sp>
       <p:sp>
         <p:nvSpPr>
-          <p:cNvPr id="17" name="Rectangle 16">
-            <a:extLst>
-              <a:ext uri="{FF2B5EF4-FFF2-40B4-BE49-F238E27FC236}">
-                <a16:creationId xmlns:a16="http://schemas.microsoft.com/office/drawing/2014/main" id="{186F7B80-3B04-4C72-BA77-E34EF7FAC9CC}"/>
-              </a:ext>
-              <a:ext uri="{C183D7F6-B498-43B3-948B-1728B52AA6E4}">
-                <adec:decorative xmlns:adec="http://schemas.microsoft.com/office/drawing/2017/decorative" val="1"/>
-              </a:ext>
-            </a:extLst>
-          </p:cNvPr>
+          <p:cNvPr id="17" name="Rectangle 16"/>
           <p:cNvSpPr>
             <a:spLocks noGrp="1" noRot="1" noChangeAspect="1" noMove="1" noResize="1" noEditPoints="1" noAdjustHandles="1" noChangeArrowheads="1" noChangeShapeType="1" noTextEdit="1"/>
           </p:cNvSpPr>
-          <p:nvPr>
-            <p:extLst>
-              <p:ext uri="{386F3935-93C4-4BCD-93E2-E3B085C9AB24}">
-                <p16:designElem xmlns:p16="http://schemas.microsoft.com/office/powerpoint/2015/main" val="1"/>
-              </p:ext>
-            </p:extLst>
-          </p:nvPr>
+          <p:nvPr/>
         </p:nvSpPr>
         <p:spPr>
           <a:xfrm>
@@ -4881,26 +4759,11 @@
       </p:sp>
       <p:sp>
         <p:nvSpPr>
-          <p:cNvPr id="19" name="Rectangle 18">
-            <a:extLst>
-              <a:ext uri="{FF2B5EF4-FFF2-40B4-BE49-F238E27FC236}">
-                <a16:creationId xmlns:a16="http://schemas.microsoft.com/office/drawing/2014/main" id="{4D1AC6C6-FE68-4B13-BFCF-D0E8B3D81777}"/>
-              </a:ext>
-              <a:ext uri="{C183D7F6-B498-43B3-948B-1728B52AA6E4}">
-                <adec:decorative xmlns:adec="http://schemas.microsoft.com/office/drawing/2017/decorative" val="1"/>
-              </a:ext>
-            </a:extLst>
-          </p:cNvPr>
+          <p:cNvPr id="19" name="Rectangle 18"/>
           <p:cNvSpPr>
             <a:spLocks noGrp="1" noRot="1" noChangeAspect="1" noMove="1" noResize="1" noEditPoints="1" noAdjustHandles="1" noChangeArrowheads="1" noChangeShapeType="1" noTextEdit="1"/>
           </p:cNvSpPr>
-          <p:nvPr>
-            <p:extLst>
-              <p:ext uri="{386F3935-93C4-4BCD-93E2-E3B085C9AB24}">
-                <p16:designElem xmlns:p16="http://schemas.microsoft.com/office/powerpoint/2015/main" val="1"/>
-              </p:ext>
-            </p:extLst>
-          </p:nvPr>
+          <p:nvPr/>
         </p:nvSpPr>
         <p:spPr>
           <a:xfrm>
@@ -4946,13 +4809,7 @@
       </p:sp>
       <p:sp>
         <p:nvSpPr>
-          <p:cNvPr id="2" name="Title 1">
-            <a:extLst>
-              <a:ext uri="{FF2B5EF4-FFF2-40B4-BE49-F238E27FC236}">
-                <a16:creationId xmlns:a16="http://schemas.microsoft.com/office/drawing/2014/main" id="{2869523F-B127-75EA-2CB9-72A284BA19BE}"/>
-              </a:ext>
-            </a:extLst>
-          </p:cNvPr>
+          <p:cNvPr id="2" name="Title 1"/>
           <p:cNvSpPr>
             <a:spLocks noGrp="1"/>
           </p:cNvSpPr>
@@ -4977,19 +4834,13 @@
               <a:rPr lang="en-US" sz="2800" b="1"/>
               <a:t>OWASP Top 10</a:t>
             </a:r>
-            <a:endParaRPr lang="en-VN" sz="2800"/>
-          </a:p>
-        </p:txBody>
-      </p:sp>
-      <p:sp>
-        <p:nvSpPr>
-          <p:cNvPr id="3" name="Content Placeholder 2">
-            <a:extLst>
-              <a:ext uri="{FF2B5EF4-FFF2-40B4-BE49-F238E27FC236}">
-                <a16:creationId xmlns:a16="http://schemas.microsoft.com/office/drawing/2014/main" id="{B7AA413B-E88F-7352-BABE-180B12ED1C8F}"/>
-              </a:ext>
-            </a:extLst>
-          </p:cNvPr>
+            <a:endParaRPr lang="en-US" sz="2800"/>
+          </a:p>
+        </p:txBody>
+      </p:sp>
+      <p:sp>
+        <p:nvSpPr>
+          <p:cNvPr id="3" name="Content Placeholder 2"/>
           <p:cNvSpPr>
             <a:spLocks noGrp="1"/>
           </p:cNvSpPr>
@@ -5013,7 +4864,7 @@
               <a:lnSpc>
                 <a:spcPct val="110000"/>
               </a:lnSpc>
-              <a:buFont typeface="Arial" panose="020B0604020202020204" pitchFamily="34" charset="0"/>
+              <a:buFont typeface="Arial" panose="020B0604020202090204" pitchFamily="34" charset="0"/>
               <a:buChar char="•"/>
             </a:pPr>
             <a:r>
@@ -5026,7 +4877,7 @@
             </a:r>
             <a:r>
               <a:rPr lang="en-US" sz="1400" dirty="0">
-                <a:hlinkClick r:id="rId5"/>
+                <a:hlinkClick r:id="rId4"/>
               </a:rPr>
               <a:t>https://owasp.org/www-project-top-ten</a:t>
             </a:r>
@@ -5046,7 +4897,7 @@
               <a:lnSpc>
                 <a:spcPct val="110000"/>
               </a:lnSpc>
-              <a:buFont typeface="Arial" panose="020B0604020202020204" pitchFamily="34" charset="0"/>
+              <a:buFont typeface="Arial" panose="020B0604020202090204" pitchFamily="34" charset="0"/>
               <a:buChar char="•"/>
             </a:pPr>
             <a:r>
@@ -5109,6 +4960,7 @@
               <a:rPr lang="en-US" sz="1400" dirty="0"/>
               <a:t>.</a:t>
             </a:r>
+            <a:endParaRPr lang="en-US" sz="1400" dirty="0"/>
           </a:p>
           <a:p>
             <a:pPr>
@@ -5116,32 +4968,17 @@
                 <a:spcPct val="110000"/>
               </a:lnSpc>
             </a:pPr>
-            <a:endParaRPr lang="en-VN" sz="1400" dirty="0"/>
-          </a:p>
-        </p:txBody>
-      </p:sp>
-      <p:sp>
-        <p:nvSpPr>
-          <p:cNvPr id="21" name="Rectangle 20">
-            <a:extLst>
-              <a:ext uri="{FF2B5EF4-FFF2-40B4-BE49-F238E27FC236}">
-                <a16:creationId xmlns:a16="http://schemas.microsoft.com/office/drawing/2014/main" id="{7E2C0214-1438-4F5F-8BB7-847D7B2B3A6D}"/>
-              </a:ext>
-              <a:ext uri="{C183D7F6-B498-43B3-948B-1728B52AA6E4}">
-                <adec:decorative xmlns:adec="http://schemas.microsoft.com/office/drawing/2017/decorative" val="1"/>
-              </a:ext>
-            </a:extLst>
-          </p:cNvPr>
+            <a:endParaRPr lang="en-US" sz="1400" dirty="0"/>
+          </a:p>
+        </p:txBody>
+      </p:sp>
+      <p:sp>
+        <p:nvSpPr>
+          <p:cNvPr id="21" name="Rectangle 20"/>
           <p:cNvSpPr>
             <a:spLocks noGrp="1" noRot="1" noChangeAspect="1" noMove="1" noResize="1" noEditPoints="1" noAdjustHandles="1" noChangeArrowheads="1" noChangeShapeType="1" noTextEdit="1"/>
           </p:cNvSpPr>
-          <p:nvPr>
-            <p:extLst>
-              <p:ext uri="{386F3935-93C4-4BCD-93E2-E3B085C9AB24}">
-                <p16:designElem xmlns:p16="http://schemas.microsoft.com/office/powerpoint/2015/main" val="1"/>
-              </p:ext>
-            </p:extLst>
-          </p:nvPr>
+          <p:nvPr/>
         </p:nvSpPr>
         <p:spPr>
           <a:xfrm>
@@ -5185,20 +5022,14 @@
       </p:sp>
       <p:pic>
         <p:nvPicPr>
-          <p:cNvPr id="4" name="Picture 3">
-            <a:extLst>
-              <a:ext uri="{FF2B5EF4-FFF2-40B4-BE49-F238E27FC236}">
-                <a16:creationId xmlns:a16="http://schemas.microsoft.com/office/drawing/2014/main" id="{5820C593-69E1-6299-12CA-C1D49506A4C3}"/>
-              </a:ext>
-            </a:extLst>
-          </p:cNvPr>
+          <p:cNvPr id="4" name="Picture 3"/>
           <p:cNvPicPr>
             <a:picLocks noChangeAspect="1"/>
           </p:cNvPicPr>
           <p:nvPr/>
         </p:nvPicPr>
         <p:blipFill>
-          <a:blip r:embed="rId6"/>
+          <a:blip r:embed="rId5"/>
           <a:stretch>
             <a:fillRect/>
           </a:stretch>
@@ -5218,26 +5049,11 @@
       </p:pic>
       <p:sp>
         <p:nvSpPr>
-          <p:cNvPr id="23" name="Rectangle 22">
-            <a:extLst>
-              <a:ext uri="{FF2B5EF4-FFF2-40B4-BE49-F238E27FC236}">
-                <a16:creationId xmlns:a16="http://schemas.microsoft.com/office/drawing/2014/main" id="{41CFFB3C-DBCC-498B-B635-CD1FA730DB40}"/>
-              </a:ext>
-              <a:ext uri="{C183D7F6-B498-43B3-948B-1728B52AA6E4}">
-                <adec:decorative xmlns:adec="http://schemas.microsoft.com/office/drawing/2017/decorative" val="1"/>
-              </a:ext>
-            </a:extLst>
-          </p:cNvPr>
+          <p:cNvPr id="23" name="Rectangle 22"/>
           <p:cNvSpPr>
             <a:spLocks noGrp="1" noRot="1" noChangeAspect="1" noMove="1" noResize="1" noEditPoints="1" noAdjustHandles="1" noChangeArrowheads="1" noChangeShapeType="1" noTextEdit="1"/>
           </p:cNvSpPr>
-          <p:nvPr>
-            <p:extLst>
-              <p:ext uri="{386F3935-93C4-4BCD-93E2-E3B085C9AB24}">
-                <p16:designElem xmlns:p16="http://schemas.microsoft.com/office/powerpoint/2015/main" val="1"/>
-              </p:ext>
-            </p:extLst>
-          </p:nvPr>
+          <p:nvPr/>
         </p:nvSpPr>
         <p:spPr>
           <a:xfrm>
@@ -5285,26 +5101,11 @@
       </p:sp>
       <p:sp>
         <p:nvSpPr>
-          <p:cNvPr id="25" name="Rectangle 24">
-            <a:extLst>
-              <a:ext uri="{FF2B5EF4-FFF2-40B4-BE49-F238E27FC236}">
-                <a16:creationId xmlns:a16="http://schemas.microsoft.com/office/drawing/2014/main" id="{7BB289EA-43E0-4FC3-A38C-8168D8F18AB5}"/>
-              </a:ext>
-              <a:ext uri="{C183D7F6-B498-43B3-948B-1728B52AA6E4}">
-                <adec:decorative xmlns:adec="http://schemas.microsoft.com/office/drawing/2017/decorative" val="1"/>
-              </a:ext>
-            </a:extLst>
-          </p:cNvPr>
+          <p:cNvPr id="25" name="Rectangle 24"/>
           <p:cNvSpPr>
             <a:spLocks noGrp="1" noRot="1" noChangeAspect="1" noMove="1" noResize="1" noEditPoints="1" noAdjustHandles="1" noChangeArrowheads="1" noChangeShapeType="1" noTextEdit="1"/>
           </p:cNvSpPr>
-          <p:nvPr>
-            <p:extLst>
-              <p:ext uri="{386F3935-93C4-4BCD-93E2-E3B085C9AB24}">
-                <p16:designElem xmlns:p16="http://schemas.microsoft.com/office/powerpoint/2015/main" val="1"/>
-              </p:ext>
-            </p:extLst>
-          </p:nvPr>
+          <p:nvPr/>
         </p:nvSpPr>
         <p:spPr>
           <a:xfrm>
@@ -5348,20 +5149,14 @@
       </p:sp>
       <p:pic>
         <p:nvPicPr>
-          <p:cNvPr id="1028" name="Picture 4" descr="Custom File Upload Button With Pure CSS">
-            <a:extLst>
-              <a:ext uri="{FF2B5EF4-FFF2-40B4-BE49-F238E27FC236}">
-                <a16:creationId xmlns:a16="http://schemas.microsoft.com/office/drawing/2014/main" id="{24D0A087-9963-47F5-A040-71DE4BFFAA2B}"/>
-              </a:ext>
-            </a:extLst>
-          </p:cNvPr>
+          <p:cNvPr id="1028" name="Picture 4" descr="Custom File Upload Button With Pure CSS"/>
           <p:cNvPicPr>
             <a:picLocks noChangeAspect="1" noChangeArrowheads="1"/>
           </p:cNvPicPr>
           <p:nvPr/>
         </p:nvPicPr>
         <p:blipFill>
-          <a:blip r:embed="rId7">
+          <a:blip r:embed="rId6">
             <a:extLst>
               <a:ext uri="{28A0092B-C50C-407E-A947-70E740481C1C}">
                 <a14:useLocalDpi xmlns:a14="http://schemas.microsoft.com/office/drawing/2010/main" val="0"/>
@@ -5394,11 +5189,6 @@
         </p:spPr>
       </p:pic>
     </p:spTree>
-    <p:extLst>
-      <p:ext uri="{BB962C8B-B14F-4D97-AF65-F5344CB8AC3E}">
-        <p14:creationId xmlns:p14="http://schemas.microsoft.com/office/powerpoint/2010/main" val="1686608774"/>
-      </p:ext>
-    </p:extLst>
   </p:cSld>
   <p:clrMapOvr>
     <a:masterClrMapping/>
@@ -5425,13 +5215,7 @@
       </p:grpSpPr>
       <p:sp>
         <p:nvSpPr>
-          <p:cNvPr id="2" name="Title 1">
-            <a:extLst>
-              <a:ext uri="{FF2B5EF4-FFF2-40B4-BE49-F238E27FC236}">
-                <a16:creationId xmlns:a16="http://schemas.microsoft.com/office/drawing/2014/main" id="{8D73497F-496F-0FD5-D694-E3A7D1F91137}"/>
-              </a:ext>
-            </a:extLst>
-          </p:cNvPr>
+          <p:cNvPr id="2" name="Title 1"/>
           <p:cNvSpPr>
             <a:spLocks noGrp="1"/>
           </p:cNvSpPr>
@@ -5453,21 +5237,16 @@
           <a:p>
             <a:pPr algn="l"/>
             <a:r>
-              <a:rPr lang="en-VN" dirty="0"/>
+              <a:rPr lang="en-US" dirty="0"/>
               <a:t>C99 Sheel là gì?</a:t>
             </a:r>
-          </a:p>
-        </p:txBody>
-      </p:sp>
-      <p:sp>
-        <p:nvSpPr>
-          <p:cNvPr id="3" name="Content Placeholder 2">
-            <a:extLst>
-              <a:ext uri="{FF2B5EF4-FFF2-40B4-BE49-F238E27FC236}">
-                <a16:creationId xmlns:a16="http://schemas.microsoft.com/office/drawing/2014/main" id="{D1BF344F-914B-BC3F-223F-33DDBB30C91A}"/>
-              </a:ext>
-            </a:extLst>
-          </p:cNvPr>
+            <a:endParaRPr lang="en-US" dirty="0"/>
+          </a:p>
+        </p:txBody>
+      </p:sp>
+      <p:sp>
+        <p:nvSpPr>
+          <p:cNvPr id="3" name="Content Placeholder 2"/>
           <p:cNvSpPr>
             <a:spLocks noGrp="1"/>
           </p:cNvSpPr>
@@ -5532,10 +5311,11 @@
               <a:rPr lang="en-US" dirty="0"/>
               <a:t> xa.</a:t>
             </a:r>
+            <a:endParaRPr lang="en-US" dirty="0"/>
           </a:p>
           <a:p>
             <a:pPr>
-              <a:buFont typeface="Arial" panose="020B0604020202020204" pitchFamily="34" charset="0"/>
+              <a:buFont typeface="Arial" panose="020B0604020202090204" pitchFamily="34" charset="0"/>
               <a:buChar char="•"/>
             </a:pPr>
             <a:r>
@@ -5598,10 +5378,11 @@
               <a:rPr lang="en-US" dirty="0"/>
               <a:t> (C99).</a:t>
             </a:r>
+            <a:endParaRPr lang="en-US" dirty="0"/>
           </a:p>
           <a:p>
             <a:pPr>
-              <a:buFont typeface="Arial" panose="020B0604020202020204" pitchFamily="34" charset="0"/>
+              <a:buFont typeface="Arial" panose="020B0604020202090204" pitchFamily="34" charset="0"/>
               <a:buChar char="•"/>
             </a:pPr>
             <a:r>
@@ -5644,10 +5425,11 @@
               <a:rPr lang="en-US" dirty="0"/>
               <a:t>:</a:t>
             </a:r>
+            <a:endParaRPr lang="en-US" dirty="0"/>
           </a:p>
           <a:p>
             <a:pPr marL="742950" lvl="1" indent="-285750">
-              <a:buFont typeface="Arial" panose="020B0604020202020204" pitchFamily="34" charset="0"/>
+              <a:buFont typeface="Arial" panose="020B0604020202090204" pitchFamily="34" charset="0"/>
               <a:buChar char="•"/>
             </a:pPr>
             <a:r>
@@ -5682,10 +5464,11 @@
               <a:rPr lang="en-US" dirty="0"/>
               <a:t> server.</a:t>
             </a:r>
+            <a:endParaRPr lang="en-US" dirty="0"/>
           </a:p>
           <a:p>
             <a:pPr marL="742950" lvl="1" indent="-285750">
-              <a:buFont typeface="Arial" panose="020B0604020202020204" pitchFamily="34" charset="0"/>
+              <a:buFont typeface="Arial" panose="020B0604020202090204" pitchFamily="34" charset="0"/>
               <a:buChar char="•"/>
             </a:pPr>
             <a:r>
@@ -5728,10 +5511,11 @@
               <a:rPr lang="en-US" dirty="0"/>
               <a:t>.</a:t>
             </a:r>
+            <a:endParaRPr lang="en-US" dirty="0"/>
           </a:p>
           <a:p>
             <a:pPr marL="742950" lvl="1" indent="-285750">
-              <a:buFont typeface="Arial" panose="020B0604020202020204" pitchFamily="34" charset="0"/>
+              <a:buFont typeface="Arial" panose="020B0604020202090204" pitchFamily="34" charset="0"/>
               <a:buChar char="•"/>
             </a:pPr>
             <a:r>
@@ -5798,21 +5582,17 @@
               <a:rPr lang="en-US" dirty="0"/>
               <a:t>.</a:t>
             </a:r>
-          </a:p>
-          <a:p>
             <a:endParaRPr lang="en-US" dirty="0"/>
           </a:p>
           <a:p>
-            <a:endParaRPr lang="en-VN" dirty="0"/>
+            <a:endParaRPr lang="en-US" dirty="0"/>
+          </a:p>
+          <a:p>
+            <a:endParaRPr lang="en-US" dirty="0"/>
           </a:p>
         </p:txBody>
       </p:sp>
     </p:spTree>
-    <p:extLst>
-      <p:ext uri="{BB962C8B-B14F-4D97-AF65-F5344CB8AC3E}">
-        <p14:creationId xmlns:p14="http://schemas.microsoft.com/office/powerpoint/2010/main" val="1379827381"/>
-      </p:ext>
-    </p:extLst>
   </p:cSld>
   <p:clrMapOvr>
     <a:masterClrMapping/>
@@ -5826,8 +5606,10 @@
     <p:bg>
       <p:bgPr>
         <a:blipFill rotWithShape="1">
-          <a:blip r:embed="rId2"/>
-          <a:stretch/>
+          <a:blip r:embed="rId1"/>
+          <a:stretch>
+            <a:fillRect/>
+          </a:stretch>
         </a:blipFill>
         <a:effectLst/>
       </p:bgPr>
@@ -5848,26 +5630,41 @@
       </p:grpSpPr>
       <p:pic>
         <p:nvPicPr>
-          <p:cNvPr id="4103" name="Picture 4102">
-            <a:extLst>
-              <a:ext uri="{FF2B5EF4-FFF2-40B4-BE49-F238E27FC236}">
-                <a16:creationId xmlns:a16="http://schemas.microsoft.com/office/drawing/2014/main" id="{BEB7091A-7E9C-45E8-B4B8-831F07A2524E}"/>
-              </a:ext>
-              <a:ext uri="{C183D7F6-B498-43B3-948B-1728B52AA6E4}">
-                <adec:decorative xmlns:adec="http://schemas.microsoft.com/office/drawing/2017/decorative" val="1"/>
-              </a:ext>
-            </a:extLst>
-          </p:cNvPr>
+          <p:cNvPr id="4103" name="Picture 4102"/>
           <p:cNvPicPr>
             <a:picLocks noGrp="1" noRot="1" noChangeAspect="1" noMove="1" noResize="1" noEditPoints="1" noAdjustHandles="1" noChangeArrowheads="1" noChangeShapeType="1" noCrop="1"/>
           </p:cNvPicPr>
-          <p:nvPr>
-            <p:extLst>
-              <p:ext uri="{386F3935-93C4-4BCD-93E2-E3B085C9AB24}">
-                <p16:designElem xmlns:p16="http://schemas.microsoft.com/office/powerpoint/2015/main" val="1"/>
-              </p:ext>
-            </p:extLst>
-          </p:nvPr>
+          <p:nvPr/>
+        </p:nvPicPr>
+        <p:blipFill>
+          <a:blip r:embed="rId2">
+            <a:extLst>
+              <a:ext uri="{28A0092B-C50C-407E-A947-70E740481C1C}">
+                <a14:useLocalDpi xmlns:a14="http://schemas.microsoft.com/office/drawing/2010/main" val="0"/>
+              </a:ext>
+            </a:extLst>
+          </a:blip>
+          <a:stretch>
+            <a:fillRect/>
+          </a:stretch>
+        </p:blipFill>
+        <p:spPr>
+          <a:xfrm>
+            <a:off x="2831794" y="2105202"/>
+            <a:ext cx="9360205" cy="4752798"/>
+          </a:xfrm>
+          <a:prstGeom prst="rect">
+            <a:avLst/>
+          </a:prstGeom>
+        </p:spPr>
+      </p:pic>
+      <p:pic>
+        <p:nvPicPr>
+          <p:cNvPr id="4105" name="Picture 4104"/>
+          <p:cNvPicPr>
+            <a:picLocks noGrp="1" noRot="1" noChangeAspect="1" noMove="1" noResize="1" noEditPoints="1" noAdjustHandles="1" noChangeArrowheads="1" noChangeShapeType="1" noCrop="1"/>
+          </p:cNvPicPr>
+          <p:nvPr/>
         </p:nvPicPr>
         <p:blipFill>
           <a:blip r:embed="rId3">
@@ -5883,81 +5680,21 @@
         </p:blipFill>
         <p:spPr>
           <a:xfrm>
-            <a:off x="2831794" y="2105202"/>
-            <a:ext cx="9360205" cy="4752798"/>
+            <a:off x="0" y="0"/>
+            <a:ext cx="12189867" cy="6858000"/>
           </a:xfrm>
           <a:prstGeom prst="rect">
             <a:avLst/>
           </a:prstGeom>
         </p:spPr>
       </p:pic>
-      <p:pic>
-        <p:nvPicPr>
-          <p:cNvPr id="4105" name="Picture 4104">
-            <a:extLst>
-              <a:ext uri="{FF2B5EF4-FFF2-40B4-BE49-F238E27FC236}">
-                <a16:creationId xmlns:a16="http://schemas.microsoft.com/office/drawing/2014/main" id="{3A7EE626-B530-46D6-8DFA-F7CCBAB93FE5}"/>
-              </a:ext>
-              <a:ext uri="{C183D7F6-B498-43B3-948B-1728B52AA6E4}">
-                <adec:decorative xmlns:adec="http://schemas.microsoft.com/office/drawing/2017/decorative" val="1"/>
-              </a:ext>
-            </a:extLst>
-          </p:cNvPr>
-          <p:cNvPicPr>
-            <a:picLocks noGrp="1" noRot="1" noChangeAspect="1" noMove="1" noResize="1" noEditPoints="1" noAdjustHandles="1" noChangeArrowheads="1" noChangeShapeType="1" noCrop="1"/>
-          </p:cNvPicPr>
-          <p:nvPr>
-            <p:extLst>
-              <p:ext uri="{386F3935-93C4-4BCD-93E2-E3B085C9AB24}">
-                <p16:designElem xmlns:p16="http://schemas.microsoft.com/office/powerpoint/2015/main" val="1"/>
-              </p:ext>
-            </p:extLst>
-          </p:nvPr>
-        </p:nvPicPr>
-        <p:blipFill>
-          <a:blip r:embed="rId4">
-            <a:extLst>
-              <a:ext uri="{28A0092B-C50C-407E-A947-70E740481C1C}">
-                <a14:useLocalDpi xmlns:a14="http://schemas.microsoft.com/office/drawing/2010/main" val="0"/>
-              </a:ext>
-            </a:extLst>
-          </a:blip>
-          <a:stretch>
-            <a:fillRect/>
-          </a:stretch>
-        </p:blipFill>
-        <p:spPr>
-          <a:xfrm>
-            <a:off x="0" y="0"/>
-            <a:ext cx="12189867" cy="6858000"/>
-          </a:xfrm>
-          <a:prstGeom prst="rect">
-            <a:avLst/>
-          </a:prstGeom>
-        </p:spPr>
-      </p:pic>
-      <p:sp>
-        <p:nvSpPr>
-          <p:cNvPr id="4107" name="Rectangle 4106">
-            <a:extLst>
-              <a:ext uri="{FF2B5EF4-FFF2-40B4-BE49-F238E27FC236}">
-                <a16:creationId xmlns:a16="http://schemas.microsoft.com/office/drawing/2014/main" id="{E16B9833-CCDE-4DEF-8D9C-0374880A53C1}"/>
-              </a:ext>
-              <a:ext uri="{C183D7F6-B498-43B3-948B-1728B52AA6E4}">
-                <adec:decorative xmlns:adec="http://schemas.microsoft.com/office/drawing/2017/decorative" val="1"/>
-              </a:ext>
-            </a:extLst>
-          </p:cNvPr>
+      <p:sp>
+        <p:nvSpPr>
+          <p:cNvPr id="4107" name="Rectangle 4106"/>
           <p:cNvSpPr>
             <a:spLocks noGrp="1" noRot="1" noChangeAspect="1" noMove="1" noResize="1" noEditPoints="1" noAdjustHandles="1" noChangeArrowheads="1" noChangeShapeType="1" noTextEdit="1"/>
           </p:cNvSpPr>
-          <p:nvPr>
-            <p:extLst>
-              <p:ext uri="{386F3935-93C4-4BCD-93E2-E3B085C9AB24}">
-                <p16:designElem xmlns:p16="http://schemas.microsoft.com/office/powerpoint/2015/main" val="1"/>
-              </p:ext>
-            </p:extLst>
-          </p:nvPr>
+          <p:nvPr/>
         </p:nvSpPr>
         <p:spPr>
           <a:xfrm>
@@ -5994,32 +5731,17 @@
           <a:bodyPr/>
           <a:lstStyle/>
           <a:p>
-            <a:endParaRPr lang="en-VN"/>
-          </a:p>
-        </p:txBody>
-      </p:sp>
-      <p:sp>
-        <p:nvSpPr>
-          <p:cNvPr id="4109" name="Rectangle 4108">
-            <a:extLst>
-              <a:ext uri="{FF2B5EF4-FFF2-40B4-BE49-F238E27FC236}">
-                <a16:creationId xmlns:a16="http://schemas.microsoft.com/office/drawing/2014/main" id="{BC2CC7F6-4DA9-40BE-9788-4ED6B0A85687}"/>
-              </a:ext>
-              <a:ext uri="{C183D7F6-B498-43B3-948B-1728B52AA6E4}">
-                <adec:decorative xmlns:adec="http://schemas.microsoft.com/office/drawing/2017/decorative" val="1"/>
-              </a:ext>
-            </a:extLst>
-          </p:cNvPr>
+            <a:endParaRPr lang="en-US"/>
+          </a:p>
+        </p:txBody>
+      </p:sp>
+      <p:sp>
+        <p:nvSpPr>
+          <p:cNvPr id="4109" name="Rectangle 4108"/>
           <p:cNvSpPr>
             <a:spLocks noGrp="1" noRot="1" noChangeAspect="1" noMove="1" noResize="1" noEditPoints="1" noAdjustHandles="1" noChangeArrowheads="1" noChangeShapeType="1" noTextEdit="1"/>
           </p:cNvSpPr>
-          <p:nvPr>
-            <p:extLst>
-              <p:ext uri="{386F3935-93C4-4BCD-93E2-E3B085C9AB24}">
-                <p16:designElem xmlns:p16="http://schemas.microsoft.com/office/powerpoint/2015/main" val="1"/>
-              </p:ext>
-            </p:extLst>
-          </p:nvPr>
+          <p:nvPr/>
         </p:nvSpPr>
         <p:spPr>
           <a:xfrm>
@@ -6056,32 +5778,17 @@
           <a:bodyPr/>
           <a:lstStyle/>
           <a:p>
-            <a:endParaRPr lang="en-VN"/>
-          </a:p>
-        </p:txBody>
-      </p:sp>
-      <p:sp>
-        <p:nvSpPr>
-          <p:cNvPr id="4111" name="Rectangle 4110">
-            <a:extLst>
-              <a:ext uri="{FF2B5EF4-FFF2-40B4-BE49-F238E27FC236}">
-                <a16:creationId xmlns:a16="http://schemas.microsoft.com/office/drawing/2014/main" id="{AD098DBD-F19D-467D-BA4D-814BD652EFE6}"/>
-              </a:ext>
-              <a:ext uri="{C183D7F6-B498-43B3-948B-1728B52AA6E4}">
-                <adec:decorative xmlns:adec="http://schemas.microsoft.com/office/drawing/2017/decorative" val="1"/>
-              </a:ext>
-            </a:extLst>
-          </p:cNvPr>
+            <a:endParaRPr lang="en-US"/>
+          </a:p>
+        </p:txBody>
+      </p:sp>
+      <p:sp>
+        <p:nvSpPr>
+          <p:cNvPr id="4111" name="Rectangle 4110"/>
           <p:cNvSpPr>
             <a:spLocks noGrp="1" noRot="1" noChangeAspect="1" noMove="1" noResize="1" noEditPoints="1" noAdjustHandles="1" noChangeArrowheads="1" noChangeShapeType="1" noTextEdit="1"/>
           </p:cNvSpPr>
-          <p:nvPr>
-            <p:extLst>
-              <p:ext uri="{386F3935-93C4-4BCD-93E2-E3B085C9AB24}">
-                <p16:designElem xmlns:p16="http://schemas.microsoft.com/office/powerpoint/2015/main" val="1"/>
-              </p:ext>
-            </p:extLst>
-          </p:nvPr>
+          <p:nvPr/>
         </p:nvSpPr>
         <p:spPr>
           <a:xfrm>
@@ -6120,32 +5827,17 @@
           <a:bodyPr/>
           <a:lstStyle/>
           <a:p>
-            <a:endParaRPr lang="en-VN"/>
-          </a:p>
-        </p:txBody>
-      </p:sp>
-      <p:sp>
-        <p:nvSpPr>
-          <p:cNvPr id="4113" name="Rectangle 4112">
-            <a:extLst>
-              <a:ext uri="{FF2B5EF4-FFF2-40B4-BE49-F238E27FC236}">
-                <a16:creationId xmlns:a16="http://schemas.microsoft.com/office/drawing/2014/main" id="{FEF6C70E-8448-40F4-8AFA-2E982338CE04}"/>
-              </a:ext>
-              <a:ext uri="{C183D7F6-B498-43B3-948B-1728B52AA6E4}">
-                <adec:decorative xmlns:adec="http://schemas.microsoft.com/office/drawing/2017/decorative" val="1"/>
-              </a:ext>
-            </a:extLst>
-          </p:cNvPr>
+            <a:endParaRPr lang="en-US"/>
+          </a:p>
+        </p:txBody>
+      </p:sp>
+      <p:sp>
+        <p:nvSpPr>
+          <p:cNvPr id="4113" name="Rectangle 4112"/>
           <p:cNvSpPr>
             <a:spLocks noGrp="1" noRot="1" noChangeAspect="1" noMove="1" noResize="1" noEditPoints="1" noAdjustHandles="1" noChangeArrowheads="1" noChangeShapeType="1" noTextEdit="1"/>
           </p:cNvSpPr>
-          <p:nvPr>
-            <p:extLst>
-              <p:ext uri="{386F3935-93C4-4BCD-93E2-E3B085C9AB24}">
-                <p16:designElem xmlns:p16="http://schemas.microsoft.com/office/powerpoint/2015/main" val="1"/>
-              </p:ext>
-            </p:extLst>
-          </p:nvPr>
+          <p:nvPr/>
         </p:nvSpPr>
         <p:spPr>
           <a:xfrm>
@@ -6182,26 +5874,20 @@
           <a:bodyPr/>
           <a:lstStyle/>
           <a:p>
-            <a:endParaRPr lang="en-VN"/>
+            <a:endParaRPr lang="en-US"/>
           </a:p>
         </p:txBody>
       </p:sp>
       <p:pic>
         <p:nvPicPr>
-          <p:cNvPr id="4098" name="Picture 2" descr="Mad Irish :: PHP Malware C99 Shell">
-            <a:extLst>
-              <a:ext uri="{FF2B5EF4-FFF2-40B4-BE49-F238E27FC236}">
-                <a16:creationId xmlns:a16="http://schemas.microsoft.com/office/drawing/2014/main" id="{72B3E44F-A68A-329C-FE97-F14F2159AA16}"/>
-              </a:ext>
-            </a:extLst>
-          </p:cNvPr>
+          <p:cNvPr id="4098" name="Picture 2" descr="Mad Irish :: PHP Malware C99 Shell"/>
           <p:cNvPicPr>
             <a:picLocks noChangeAspect="1" noChangeArrowheads="1"/>
           </p:cNvPicPr>
           <p:nvPr/>
         </p:nvPicPr>
         <p:blipFill>
-          <a:blip r:embed="rId5">
+          <a:blip r:embed="rId4">
             <a:extLst>
               <a:ext uri="{28A0092B-C50C-407E-A947-70E740481C1C}">
                 <a14:useLocalDpi xmlns:a14="http://schemas.microsoft.com/office/drawing/2010/main" val="0"/>
@@ -6209,7 +5895,9 @@
             </a:extLst>
           </a:blip>
           <a:srcRect t="28115"/>
-          <a:stretch/>
+          <a:stretch>
+            <a:fillRect/>
+          </a:stretch>
         </p:blipFill>
         <p:spPr bwMode="auto">
           <a:xfrm>
@@ -6232,11 +5920,6 @@
         </p:spPr>
       </p:pic>
     </p:spTree>
-    <p:extLst>
-      <p:ext uri="{BB962C8B-B14F-4D97-AF65-F5344CB8AC3E}">
-        <p14:creationId xmlns:p14="http://schemas.microsoft.com/office/powerpoint/2010/main" val="2263042409"/>
-      </p:ext>
-    </p:extLst>
   </p:cSld>
   <p:clrMapOvr>
     <a:masterClrMapping/>
@@ -6263,13 +5946,7 @@
       </p:grpSpPr>
       <p:sp>
         <p:nvSpPr>
-          <p:cNvPr id="2" name="Title 1">
-            <a:extLst>
-              <a:ext uri="{FF2B5EF4-FFF2-40B4-BE49-F238E27FC236}">
-                <a16:creationId xmlns:a16="http://schemas.microsoft.com/office/drawing/2014/main" id="{861BF884-530A-892E-7659-3AC3EDBAC6AB}"/>
-              </a:ext>
-            </a:extLst>
-          </p:cNvPr>
+          <p:cNvPr id="2" name="Title 1"/>
           <p:cNvSpPr>
             <a:spLocks noGrp="1"/>
           </p:cNvSpPr>
@@ -6310,19 +5987,13 @@
               <a:rPr lang="en-US" dirty="0" err="1"/>
               <a:t>dụng</a:t>
             </a:r>
-            <a:endParaRPr lang="en-VN" dirty="0"/>
-          </a:p>
-        </p:txBody>
-      </p:sp>
-      <p:sp>
-        <p:nvSpPr>
-          <p:cNvPr id="3" name="Content Placeholder 2">
-            <a:extLst>
-              <a:ext uri="{FF2B5EF4-FFF2-40B4-BE49-F238E27FC236}">
-                <a16:creationId xmlns:a16="http://schemas.microsoft.com/office/drawing/2014/main" id="{579BCD35-3562-C9DB-988C-BA512DD393BE}"/>
-              </a:ext>
-            </a:extLst>
-          </p:cNvPr>
+            <a:endParaRPr lang="en-US" dirty="0"/>
+          </a:p>
+        </p:txBody>
+      </p:sp>
+      <p:sp>
+        <p:nvSpPr>
+          <p:cNvPr id="3" name="Content Placeholder 2"/>
           <p:cNvSpPr>
             <a:spLocks noGrp="1"/>
           </p:cNvSpPr>
@@ -6336,7 +6007,7 @@
           <a:lstStyle/>
           <a:p>
             <a:pPr>
-              <a:buFont typeface="Arial" panose="020B0604020202020204" pitchFamily="34" charset="0"/>
+              <a:buFont typeface="Arial" panose="020B0604020202090204" pitchFamily="34" charset="0"/>
               <a:buChar char="•"/>
             </a:pPr>
             <a:r>
@@ -6347,30 +6018,33 @@
               <a:rPr lang="vi-VN" dirty="0"/>
               <a:t>:</a:t>
             </a:r>
+            <a:endParaRPr lang="vi-VN" dirty="0"/>
           </a:p>
           <a:p>
             <a:pPr lvl="1">
-              <a:buFont typeface="Wingdings" pitchFamily="2" charset="2"/>
+              <a:buFont typeface="Wingdings" panose="05000000000000000000" pitchFamily="2" charset="2"/>
               <a:buChar char="Ø"/>
             </a:pPr>
             <a:r>
               <a:rPr lang="vi-VN" dirty="0"/>
               <a:t>Đổi tên file thành shell.php.jpg để bypass kiểm tra extension.</a:t>
             </a:r>
+            <a:endParaRPr lang="vi-VN" dirty="0"/>
           </a:p>
           <a:p>
             <a:pPr lvl="1">
-              <a:buFont typeface="Wingdings" pitchFamily="2" charset="2"/>
+              <a:buFont typeface="Wingdings" panose="05000000000000000000" pitchFamily="2" charset="2"/>
               <a:buChar char="Ø"/>
             </a:pPr>
             <a:r>
               <a:rPr lang="vi-VN" dirty="0"/>
               <a:t>Nhúng shell vào file hợp lệ như .pdf hoặc .png.</a:t>
             </a:r>
+            <a:endParaRPr lang="vi-VN" dirty="0"/>
           </a:p>
           <a:p>
             <a:pPr>
-              <a:buFont typeface="Arial" panose="020B0604020202020204" pitchFamily="34" charset="0"/>
+              <a:buFont typeface="Arial" panose="020B0604020202090204" pitchFamily="34" charset="0"/>
               <a:buChar char="•"/>
             </a:pPr>
             <a:r>
@@ -6381,38 +6055,36 @@
               <a:rPr lang="vi-VN" dirty="0"/>
               <a:t>:</a:t>
             </a:r>
+            <a:endParaRPr lang="vi-VN" dirty="0"/>
           </a:p>
           <a:p>
             <a:pPr lvl="1">
-              <a:buFont typeface="Wingdings" pitchFamily="2" charset="2"/>
+              <a:buFont typeface="Wingdings" panose="05000000000000000000" pitchFamily="2" charset="2"/>
               <a:buChar char="Ø"/>
             </a:pPr>
             <a:r>
               <a:rPr lang="vi-VN" dirty="0"/>
               <a:t>Không kiểm tra MIME type chính xác.</a:t>
             </a:r>
+            <a:endParaRPr lang="vi-VN" dirty="0"/>
           </a:p>
           <a:p>
             <a:pPr lvl="1">
-              <a:buFont typeface="Wingdings" pitchFamily="2" charset="2"/>
+              <a:buFont typeface="Wingdings" panose="05000000000000000000" pitchFamily="2" charset="2"/>
               <a:buChar char="Ø"/>
             </a:pPr>
             <a:r>
               <a:rPr lang="vi-VN" dirty="0"/>
               <a:t>Lưu file trong thư mục có quyền thực thi.</a:t>
             </a:r>
-          </a:p>
-          <a:p>
-            <a:endParaRPr lang="en-VN" dirty="0"/>
+            <a:endParaRPr lang="vi-VN" dirty="0"/>
+          </a:p>
+          <a:p>
+            <a:endParaRPr lang="en-US" dirty="0"/>
           </a:p>
         </p:txBody>
       </p:sp>
     </p:spTree>
-    <p:extLst>
-      <p:ext uri="{BB962C8B-B14F-4D97-AF65-F5344CB8AC3E}">
-        <p14:creationId xmlns:p14="http://schemas.microsoft.com/office/powerpoint/2010/main" val="595651167"/>
-      </p:ext>
-    </p:extLst>
   </p:cSld>
   <p:clrMapOvr>
     <a:masterClrMapping/>
@@ -6439,13 +6111,7 @@
       </p:grpSpPr>
       <p:sp>
         <p:nvSpPr>
-          <p:cNvPr id="2" name="Title 1">
-            <a:extLst>
-              <a:ext uri="{FF2B5EF4-FFF2-40B4-BE49-F238E27FC236}">
-                <a16:creationId xmlns:a16="http://schemas.microsoft.com/office/drawing/2014/main" id="{52E14F4E-82DA-F5FE-198F-C725C4A91151}"/>
-              </a:ext>
-            </a:extLst>
-          </p:cNvPr>
+          <p:cNvPr id="2" name="Title 1"/>
           <p:cNvSpPr>
             <a:spLocks noGrp="1"/>
           </p:cNvSpPr>
@@ -6470,19 +6136,13 @@
               <a:rPr lang="en-US" dirty="0" err="1"/>
               <a:t>quả</a:t>
             </a:r>
-            <a:endParaRPr lang="en-VN" dirty="0"/>
-          </a:p>
-        </p:txBody>
-      </p:sp>
-      <p:sp>
-        <p:nvSpPr>
-          <p:cNvPr id="3" name="Content Placeholder 2">
-            <a:extLst>
-              <a:ext uri="{FF2B5EF4-FFF2-40B4-BE49-F238E27FC236}">
-                <a16:creationId xmlns:a16="http://schemas.microsoft.com/office/drawing/2014/main" id="{DABE0BDC-5F59-CDC5-F061-B8E1EEE8C067}"/>
-              </a:ext>
-            </a:extLst>
-          </p:cNvPr>
+            <a:endParaRPr lang="en-US" dirty="0"/>
+          </a:p>
+        </p:txBody>
+      </p:sp>
+      <p:sp>
+        <p:nvSpPr>
+          <p:cNvPr id="3" name="Content Placeholder 2"/>
           <p:cNvSpPr>
             <a:spLocks noGrp="1"/>
           </p:cNvSpPr>
@@ -6496,7 +6156,7 @@
           <a:lstStyle/>
           <a:p>
             <a:pPr>
-              <a:buFont typeface="Arial" panose="020B0604020202020204" pitchFamily="34" charset="0"/>
+              <a:buFont typeface="Arial" panose="020B0604020202090204" pitchFamily="34" charset="0"/>
               <a:buChar char="•"/>
             </a:pPr>
             <a:r>
@@ -6507,48 +6167,47 @@
               <a:rPr lang="vi-VN" dirty="0"/>
               <a:t>:</a:t>
             </a:r>
+            <a:endParaRPr lang="vi-VN" dirty="0"/>
           </a:p>
           <a:p>
             <a:pPr lvl="1">
-              <a:buFont typeface="Wingdings" pitchFamily="2" charset="2"/>
+              <a:buFont typeface="Wingdings" panose="05000000000000000000" pitchFamily="2" charset="2"/>
               <a:buChar char="Ø"/>
             </a:pPr>
             <a:r>
               <a:rPr lang="vi-VN" dirty="0"/>
               <a:t>Hacker chiếm quyền kiểm soát server.</a:t>
             </a:r>
+            <a:endParaRPr lang="vi-VN" dirty="0"/>
           </a:p>
           <a:p>
             <a:pPr lvl="1">
-              <a:buFont typeface="Wingdings" pitchFamily="2" charset="2"/>
+              <a:buFont typeface="Wingdings" panose="05000000000000000000" pitchFamily="2" charset="2"/>
               <a:buChar char="Ø"/>
             </a:pPr>
             <a:r>
               <a:rPr lang="vi-VN" dirty="0"/>
               <a:t>Đánh cắp dữ liệu (e.g., cơ sở dữ liệu khách hàng).</a:t>
             </a:r>
+            <a:endParaRPr lang="vi-VN" dirty="0"/>
           </a:p>
           <a:p>
             <a:pPr lvl="1">
-              <a:buFont typeface="Wingdings" pitchFamily="2" charset="2"/>
+              <a:buFont typeface="Wingdings" panose="05000000000000000000" pitchFamily="2" charset="2"/>
               <a:buChar char="Ø"/>
             </a:pPr>
             <a:r>
               <a:rPr lang="vi-VN" dirty="0"/>
               <a:t>Server bị sử dụng để phát tán mã độc hoặc tấn công DDoS.</a:t>
             </a:r>
-          </a:p>
-          <a:p>
-            <a:endParaRPr lang="en-VN" dirty="0"/>
+            <a:endParaRPr lang="vi-VN" dirty="0"/>
+          </a:p>
+          <a:p>
+            <a:endParaRPr lang="en-US" dirty="0"/>
           </a:p>
         </p:txBody>
       </p:sp>
     </p:spTree>
-    <p:extLst>
-      <p:ext uri="{BB962C8B-B14F-4D97-AF65-F5344CB8AC3E}">
-        <p14:creationId xmlns:p14="http://schemas.microsoft.com/office/powerpoint/2010/main" val="3526877641"/>
-      </p:ext>
-    </p:extLst>
   </p:cSld>
   <p:clrMapOvr>
     <a:masterClrMapping/>
@@ -6575,13 +6234,7 @@
       </p:grpSpPr>
       <p:sp>
         <p:nvSpPr>
-          <p:cNvPr id="2" name="Title 1">
-            <a:extLst>
-              <a:ext uri="{FF2B5EF4-FFF2-40B4-BE49-F238E27FC236}">
-                <a16:creationId xmlns:a16="http://schemas.microsoft.com/office/drawing/2014/main" id="{916FB5BD-5A42-B5F4-1687-9C2EC457A3BA}"/>
-              </a:ext>
-            </a:extLst>
-          </p:cNvPr>
+          <p:cNvPr id="2" name="Title 1"/>
           <p:cNvSpPr>
             <a:spLocks noGrp="1"/>
           </p:cNvSpPr>
@@ -6630,19 +6283,13 @@
               <a:rPr lang="en-US" dirty="0" err="1"/>
               <a:t>tránh</a:t>
             </a:r>
-            <a:endParaRPr lang="en-VN" dirty="0"/>
-          </a:p>
-        </p:txBody>
-      </p:sp>
-      <p:sp>
-        <p:nvSpPr>
-          <p:cNvPr id="3" name="Content Placeholder 2">
-            <a:extLst>
-              <a:ext uri="{FF2B5EF4-FFF2-40B4-BE49-F238E27FC236}">
-                <a16:creationId xmlns:a16="http://schemas.microsoft.com/office/drawing/2014/main" id="{34FA6E5D-2AA3-81F5-676B-D9B91A77187A}"/>
-              </a:ext>
-            </a:extLst>
-          </p:cNvPr>
+            <a:endParaRPr lang="en-US" dirty="0"/>
+          </a:p>
+        </p:txBody>
+      </p:sp>
+      <p:sp>
+        <p:nvSpPr>
+          <p:cNvPr id="3" name="Content Placeholder 2"/>
           <p:cNvSpPr>
             <a:spLocks noGrp="1"/>
           </p:cNvSpPr>
@@ -6674,26 +6321,29 @@
               <a:rPr lang="vi-VN" dirty="0"/>
               <a:t>:</a:t>
             </a:r>
+            <a:endParaRPr lang="vi-VN" dirty="0"/>
           </a:p>
           <a:p>
             <a:pPr marL="908050" lvl="1" indent="-457200">
-              <a:buFont typeface="Wingdings" pitchFamily="2" charset="2"/>
+              <a:buFont typeface="Wingdings" panose="05000000000000000000" pitchFamily="2" charset="2"/>
               <a:buChar char="ü"/>
             </a:pPr>
             <a:r>
               <a:rPr lang="vi-VN" dirty="0"/>
               <a:t>Chỉ cho phép upload file hợp lệ, như .jpg, .png, .pdf.</a:t>
             </a:r>
+            <a:endParaRPr lang="vi-VN" dirty="0"/>
           </a:p>
           <a:p>
             <a:pPr marL="908050" lvl="1" indent="-457200">
-              <a:buFont typeface="Wingdings" pitchFamily="2" charset="2"/>
+              <a:buFont typeface="Wingdings" panose="05000000000000000000" pitchFamily="2" charset="2"/>
               <a:buChar char="ü"/>
             </a:pPr>
             <a:r>
               <a:rPr lang="vi-VN" dirty="0"/>
               <a:t>Dùng thư viện hoặc API để kiểm tra header file.</a:t>
             </a:r>
+            <a:endParaRPr lang="vi-VN" dirty="0"/>
           </a:p>
           <a:p>
             <a:pPr marL="457200" indent="-457200">
@@ -6708,26 +6358,29 @@
               <a:rPr lang="vi-VN" dirty="0"/>
               <a:t>:</a:t>
             </a:r>
+            <a:endParaRPr lang="vi-VN" dirty="0"/>
           </a:p>
           <a:p>
             <a:pPr marL="908050" lvl="1" indent="-457200">
-              <a:buFont typeface="Wingdings" pitchFamily="2" charset="2"/>
+              <a:buFont typeface="Wingdings" panose="05000000000000000000" pitchFamily="2" charset="2"/>
               <a:buChar char="ü"/>
             </a:pPr>
             <a:r>
               <a:rPr lang="vi-VN" dirty="0"/>
               <a:t>Đổi tên file thành chuỗi ngẫu nhiên.</a:t>
             </a:r>
+            <a:endParaRPr lang="vi-VN" dirty="0"/>
           </a:p>
           <a:p>
             <a:pPr marL="908050" lvl="1" indent="-457200">
-              <a:buFont typeface="Wingdings" pitchFamily="2" charset="2"/>
+              <a:buFont typeface="Wingdings" panose="05000000000000000000" pitchFamily="2" charset="2"/>
               <a:buChar char="ü"/>
             </a:pPr>
             <a:r>
               <a:rPr lang="vi-VN" dirty="0"/>
               <a:t>Lưu file ở thư mục không có quyền thực thi.</a:t>
             </a:r>
+            <a:endParaRPr lang="vi-VN" dirty="0"/>
           </a:p>
           <a:p>
             <a:pPr marL="457200" indent="-457200">
@@ -6742,16 +6395,18 @@
               <a:rPr lang="vi-VN" dirty="0"/>
               <a:t>:</a:t>
             </a:r>
+            <a:endParaRPr lang="vi-VN" dirty="0"/>
           </a:p>
           <a:p>
             <a:pPr marL="908050" lvl="1" indent="-457200">
-              <a:buFont typeface="Wingdings" pitchFamily="2" charset="2"/>
+              <a:buFont typeface="Wingdings" panose="05000000000000000000" pitchFamily="2" charset="2"/>
               <a:buChar char="ü"/>
             </a:pPr>
             <a:r>
               <a:rPr lang="vi-VN" dirty="0"/>
               <a:t>Sử dụng công cụ quét file trước khi xử lý (e.g., ClamAV).</a:t>
             </a:r>
+            <a:endParaRPr lang="vi-VN" dirty="0"/>
           </a:p>
           <a:p>
             <a:pPr marL="457200" indent="-457200">
@@ -6766,16 +6421,18 @@
               <a:rPr lang="vi-VN" dirty="0"/>
               <a:t>:</a:t>
             </a:r>
+            <a:endParaRPr lang="vi-VN" dirty="0"/>
           </a:p>
           <a:p>
             <a:pPr marL="908050" lvl="1" indent="-457200">
-              <a:buFont typeface="Wingdings" pitchFamily="2" charset="2"/>
+              <a:buFont typeface="Wingdings" panose="05000000000000000000" pitchFamily="2" charset="2"/>
               <a:buChar char="ü"/>
             </a:pPr>
             <a:r>
               <a:rPr lang="vi-VN" dirty="0"/>
               <a:t>Tắt quyền thực thi (exec) trên thư mục upload.</a:t>
             </a:r>
+            <a:endParaRPr lang="vi-VN" dirty="0"/>
           </a:p>
           <a:p>
             <a:pPr marL="457200" indent="-457200">
@@ -6790,28 +6447,25 @@
               <a:rPr lang="vi-VN" dirty="0"/>
               <a:t>:</a:t>
             </a:r>
+            <a:endParaRPr lang="vi-VN" dirty="0"/>
           </a:p>
           <a:p>
             <a:pPr marL="908050" lvl="1" indent="-457200">
-              <a:buFont typeface="Wingdings" pitchFamily="2" charset="2"/>
+              <a:buFont typeface="Wingdings" panose="05000000000000000000" pitchFamily="2" charset="2"/>
               <a:buChar char="ü"/>
             </a:pPr>
             <a:r>
               <a:rPr lang="vi-VN" dirty="0"/>
               <a:t>Kiểm tra file trong môi trường cách ly trước khi cho phép sử dụng.</a:t>
             </a:r>
-          </a:p>
-          <a:p>
-            <a:endParaRPr lang="en-VN" dirty="0"/>
+            <a:endParaRPr lang="vi-VN" dirty="0"/>
+          </a:p>
+          <a:p>
+            <a:endParaRPr lang="en-US" dirty="0"/>
           </a:p>
         </p:txBody>
       </p:sp>
     </p:spTree>
-    <p:extLst>
-      <p:ext uri="{BB962C8B-B14F-4D97-AF65-F5344CB8AC3E}">
-        <p14:creationId xmlns:p14="http://schemas.microsoft.com/office/powerpoint/2010/main" val="3227831383"/>
-      </p:ext>
-    </p:extLst>
   </p:cSld>
   <p:clrMapOvr>
     <a:masterClrMapping/>
@@ -6838,13 +6492,7 @@
       </p:grpSpPr>
       <p:sp>
         <p:nvSpPr>
-          <p:cNvPr id="2" name="Title 1">
-            <a:extLst>
-              <a:ext uri="{FF2B5EF4-FFF2-40B4-BE49-F238E27FC236}">
-                <a16:creationId xmlns:a16="http://schemas.microsoft.com/office/drawing/2014/main" id="{CD6E68E8-87A1-751D-76A1-4013BED7AAB9}"/>
-              </a:ext>
-            </a:extLst>
-          </p:cNvPr>
+          <p:cNvPr id="2" name="Title 1"/>
           <p:cNvSpPr>
             <a:spLocks noGrp="1"/>
           </p:cNvSpPr>
@@ -6861,19 +6509,13 @@
               <a:rPr lang="en-US" dirty="0"/>
               <a:t>Demo</a:t>
             </a:r>
-            <a:endParaRPr lang="en-VN" dirty="0"/>
-          </a:p>
-        </p:txBody>
-      </p:sp>
-      <p:sp>
-        <p:nvSpPr>
-          <p:cNvPr id="3" name="Content Placeholder 2">
-            <a:extLst>
-              <a:ext uri="{FF2B5EF4-FFF2-40B4-BE49-F238E27FC236}">
-                <a16:creationId xmlns:a16="http://schemas.microsoft.com/office/drawing/2014/main" id="{0FE006CB-60F6-412F-2F47-EF78D4E1D0C9}"/>
-              </a:ext>
-            </a:extLst>
-          </p:cNvPr>
+            <a:endParaRPr lang="en-US" dirty="0"/>
+          </a:p>
+        </p:txBody>
+      </p:sp>
+      <p:sp>
+        <p:nvSpPr>
+          <p:cNvPr id="3" name="Content Placeholder 2"/>
           <p:cNvSpPr>
             <a:spLocks noGrp="1"/>
           </p:cNvSpPr>
@@ -6886,16 +6528,11 @@
           <a:bodyPr/>
           <a:lstStyle/>
           <a:p>
-            <a:endParaRPr lang="en-VN"/>
+            <a:endParaRPr lang="en-US"/>
           </a:p>
         </p:txBody>
       </p:sp>
     </p:spTree>
-    <p:extLst>
-      <p:ext uri="{BB962C8B-B14F-4D97-AF65-F5344CB8AC3E}">
-        <p14:creationId xmlns:p14="http://schemas.microsoft.com/office/powerpoint/2010/main" val="2449785173"/>
-      </p:ext>
-    </p:extLst>
   </p:cSld>
   <p:clrMapOvr>
     <a:masterClrMapping/>
@@ -6922,13 +6559,7 @@
       </p:grpSpPr>
       <p:sp>
         <p:nvSpPr>
-          <p:cNvPr id="2" name="Title 1">
-            <a:extLst>
-              <a:ext uri="{FF2B5EF4-FFF2-40B4-BE49-F238E27FC236}">
-                <a16:creationId xmlns:a16="http://schemas.microsoft.com/office/drawing/2014/main" id="{6B9D4959-A07B-89FF-BFE4-157FE65E6572}"/>
-              </a:ext>
-            </a:extLst>
-          </p:cNvPr>
+          <p:cNvPr id="2" name="Title 1"/>
           <p:cNvSpPr>
             <a:spLocks noGrp="1"/>
           </p:cNvSpPr>
@@ -6953,19 +6584,13 @@
               <a:rPr lang="en-US" dirty="0" err="1"/>
               <a:t>kết</a:t>
             </a:r>
-            <a:endParaRPr lang="en-VN" dirty="0"/>
-          </a:p>
-        </p:txBody>
-      </p:sp>
-      <p:sp>
-        <p:nvSpPr>
-          <p:cNvPr id="3" name="Content Placeholder 2">
-            <a:extLst>
-              <a:ext uri="{FF2B5EF4-FFF2-40B4-BE49-F238E27FC236}">
-                <a16:creationId xmlns:a16="http://schemas.microsoft.com/office/drawing/2014/main" id="{BE1D2F39-9A1A-4A3B-79B8-907202FE5D79}"/>
-              </a:ext>
-            </a:extLst>
-          </p:cNvPr>
+            <a:endParaRPr lang="en-US" dirty="0"/>
+          </a:p>
+        </p:txBody>
+      </p:sp>
+      <p:sp>
+        <p:nvSpPr>
+          <p:cNvPr id="3" name="Content Placeholder 2"/>
           <p:cNvSpPr>
             <a:spLocks noGrp="1"/>
           </p:cNvSpPr>
@@ -6979,7 +6604,7 @@
           <a:lstStyle/>
           <a:p>
             <a:pPr>
-              <a:buFont typeface="Arial" panose="020B0604020202020204" pitchFamily="34" charset="0"/>
+              <a:buFont typeface="Arial" panose="020B0604020202090204" pitchFamily="34" charset="0"/>
               <a:buChar char="•"/>
             </a:pPr>
             <a:r>
@@ -6990,40 +6615,44 @@
               <a:rPr lang="vi-VN" dirty="0"/>
               <a:t>:</a:t>
             </a:r>
+            <a:endParaRPr lang="vi-VN" dirty="0"/>
           </a:p>
           <a:p>
             <a:pPr lvl="1">
-              <a:buFont typeface="Wingdings" pitchFamily="2" charset="2"/>
+              <a:buFont typeface="Wingdings" panose="05000000000000000000" pitchFamily="2" charset="2"/>
               <a:buChar char="Ø"/>
             </a:pPr>
             <a:r>
               <a:rPr lang="vi-VN" dirty="0"/>
               <a:t>Upload file không an toàn là lỗ hổng phổ biến.</a:t>
             </a:r>
+            <a:endParaRPr lang="vi-VN" dirty="0"/>
           </a:p>
           <a:p>
             <a:pPr lvl="1">
-              <a:buFont typeface="Wingdings" pitchFamily="2" charset="2"/>
+              <a:buFont typeface="Wingdings" panose="05000000000000000000" pitchFamily="2" charset="2"/>
               <a:buChar char="Ø"/>
             </a:pPr>
             <a:r>
               <a:rPr lang="vi-VN" dirty="0"/>
               <a:t>Hacker có thể khai thác qua file như C99 shell.</a:t>
             </a:r>
+            <a:endParaRPr lang="vi-VN" dirty="0"/>
           </a:p>
           <a:p>
             <a:pPr lvl="1">
-              <a:buFont typeface="Wingdings" pitchFamily="2" charset="2"/>
+              <a:buFont typeface="Wingdings" panose="05000000000000000000" pitchFamily="2" charset="2"/>
               <a:buChar char="Ø"/>
             </a:pPr>
             <a:r>
               <a:rPr lang="vi-VN" dirty="0"/>
               <a:t>Các biện pháp phòng tránh giúp bảo vệ hệ thống.</a:t>
             </a:r>
+            <a:endParaRPr lang="vi-VN" dirty="0"/>
           </a:p>
           <a:p>
             <a:pPr lvl="1">
-              <a:buFont typeface="Wingdings" pitchFamily="2" charset="2"/>
+              <a:buFont typeface="Wingdings" panose="05000000000000000000" pitchFamily="2" charset="2"/>
               <a:buChar char="Ø"/>
             </a:pPr>
             <a:endParaRPr lang="vi-VN" dirty="0"/>
@@ -7042,18 +6671,20 @@
               </a:rPr>
               <a:t>"Kiểm soát việc upload file để bảo vệ hệ thống khỏi những cuộc tấn công đơn giản nhưng nguy hiểm!"</a:t>
             </a:r>
-          </a:p>
-          <a:p>
-            <a:endParaRPr lang="en-VN" dirty="0"/>
+            <a:endParaRPr lang="vi-VN" i="1" dirty="0">
+              <a:solidFill>
+                <a:schemeClr val="accent5">
+                  <a:lumMod val="75000"/>
+                </a:schemeClr>
+              </a:solidFill>
+            </a:endParaRPr>
+          </a:p>
+          <a:p>
+            <a:endParaRPr lang="en-US" dirty="0"/>
           </a:p>
         </p:txBody>
       </p:sp>
     </p:spTree>
-    <p:extLst>
-      <p:ext uri="{BB962C8B-B14F-4D97-AF65-F5344CB8AC3E}">
-        <p14:creationId xmlns:p14="http://schemas.microsoft.com/office/powerpoint/2010/main" val="2074498994"/>
-      </p:ext>
-    </p:extLst>
   </p:cSld>
   <p:clrMapOvr>
     <a:masterClrMapping/>
@@ -7104,7 +6735,7 @@
     </a:clrScheme>
     <a:fontScheme name="Madison">
       <a:majorFont>
-        <a:latin typeface="Arial" panose="020B0604020202020204"/>
+        <a:latin typeface="Arial"/>
         <a:ea typeface=""/>
         <a:cs typeface=""/>
         <a:font script="Jpan" typeface="ＭＳ Ｐゴシック"/>
@@ -7139,7 +6770,7 @@
         <a:font script="Geor" typeface="Sylfaen"/>
       </a:majorFont>
       <a:minorFont>
-        <a:latin typeface="Arial" panose="020B0604020202020204"/>
+        <a:latin typeface="Arial"/>
         <a:ea typeface=""/>
         <a:cs typeface=""/>
         <a:font script="Jpan" typeface="ＭＳ Ｐゴシック"/>
@@ -7267,16 +6898,16 @@
         </a:solidFill>
         <a:blipFill rotWithShape="1">
           <a:blip xmlns:r="http://schemas.openxmlformats.org/officeDocument/2006/relationships" r:embed="rId1"/>
-          <a:stretch/>
+          <a:stretch>
+            <a:fillRect/>
+          </a:stretch>
         </a:blipFill>
       </a:bgFillStyleLst>
     </a:fmtScheme>
   </a:themeElements>
-  <a:objectDefaults/>
-  <a:extraClrSchemeLst/>
   <a:extLst>
     <a:ext uri="{05A4C25C-085E-4340-85A3-A5531E510DB2}">
-      <thm15:themeFamily xmlns:thm15="http://schemas.microsoft.com/office/thememl/2012/main" name="Madison" id="{025CB5FB-2DD3-45EE-B6F0-CC461540EB19}" vid="{6AC10936-2DFC-4054-9ADF-B5E2C5F86190}"/>
+      <thm15:themeFamily xmlns:thm15="http://schemas.microsoft.com/office/thememl/2012/main" name="Office Theme" id="{62F939B6-93AF-4DB8-9C6B-D6C7DFDC589F}" vid="{4A3C46E8-61CC-4603-A589-7422A47A8E4A}"/>
     </a:ext>
   </a:extLst>
 </a:theme>
